--- a/密碼學期末專題簡報_v1.pptx
+++ b/密碼學期末專題簡報_v1.pptx
@@ -138,7 +138,7 @@
   </p:defaultTextStyle>
   <p:extLst>
     <p:ext uri="{EFAFB233-063F-42B5-8137-9DF3F51BA10A}">
-      <p15:sldGuideLst xmlns:p15="http://schemas.microsoft.com/office/powerpoint/2012/main">
+      <p15:sldGuideLst xmlns:p15="http://schemas.microsoft.com/office/powerpoint/2012/main" xmlns="">
         <p15:guide id="1" orient="horz" pos="2160">
           <p15:clr>
             <a:srgbClr val="A4A3A4"/>
@@ -167,7 +167,7 @@
       </p15:sldGuideLst>
     </p:ext>
     <p:ext uri="{2D200454-40CA-4A62-9FC3-DE9A4176ACB9}">
-      <p15:notesGuideLst xmlns:p15="http://schemas.microsoft.com/office/powerpoint/2012/main">
+      <p15:notesGuideLst xmlns:p15="http://schemas.microsoft.com/office/powerpoint/2012/main" xmlns="">
         <p15:guide id="1" orient="horz" pos="2880">
           <p15:clr>
             <a:srgbClr val="A4A3A4"/>
@@ -1097,7 +1097,7 @@
         <p:cNvPr id="1" name="">
           <a:extLst>
             <a:ext uri="{FF2B5EF4-FFF2-40B4-BE49-F238E27FC236}">
-              <a16:creationId xmlns:a16="http://schemas.microsoft.com/office/drawing/2014/main" id="{4125FF7D-9AC6-35F3-1974-3005186E7D80}"/>
+              <a16:creationId xmlns:a16="http://schemas.microsoft.com/office/drawing/2014/main" xmlns="" id="{4125FF7D-9AC6-35F3-1974-3005186E7D80}"/>
             </a:ext>
           </a:extLst>
         </p:cNvPr>
@@ -1117,7 +1117,7 @@
           <p:cNvPr id="2" name="投影片圖像版面配置區 1">
             <a:extLst>
               <a:ext uri="{FF2B5EF4-FFF2-40B4-BE49-F238E27FC236}">
-                <a16:creationId xmlns:a16="http://schemas.microsoft.com/office/drawing/2014/main" id="{72C3084B-258D-48BE-338B-B9CF6AF8EB33}"/>
+                <a16:creationId xmlns:a16="http://schemas.microsoft.com/office/drawing/2014/main" xmlns="" id="{72C3084B-258D-48BE-338B-B9CF6AF8EB33}"/>
               </a:ext>
             </a:extLst>
           </p:cNvPr>
@@ -1135,7 +1135,7 @@
           <p:cNvPr id="3" name="備忘稿版面配置區 2">
             <a:extLst>
               <a:ext uri="{FF2B5EF4-FFF2-40B4-BE49-F238E27FC236}">
-                <a16:creationId xmlns:a16="http://schemas.microsoft.com/office/drawing/2014/main" id="{CE98C600-E8A1-E276-8D91-451F1B24747C}"/>
+                <a16:creationId xmlns:a16="http://schemas.microsoft.com/office/drawing/2014/main" xmlns="" id="{CE98C600-E8A1-E276-8D91-451F1B24747C}"/>
               </a:ext>
             </a:extLst>
           </p:cNvPr>
@@ -1160,7 +1160,7 @@
           <p:cNvPr id="4" name="投影片編號版面配置區 3">
             <a:extLst>
               <a:ext uri="{FF2B5EF4-FFF2-40B4-BE49-F238E27FC236}">
-                <a16:creationId xmlns:a16="http://schemas.microsoft.com/office/drawing/2014/main" id="{C6FFA223-8D7E-B12F-928A-1C5796E803E1}"/>
+                <a16:creationId xmlns:a16="http://schemas.microsoft.com/office/drawing/2014/main" xmlns="" id="{C6FFA223-8D7E-B12F-928A-1C5796E803E1}"/>
               </a:ext>
             </a:extLst>
           </p:cNvPr>
@@ -1206,7 +1206,7 @@
         <p:cNvPr id="1" name="">
           <a:extLst>
             <a:ext uri="{FF2B5EF4-FFF2-40B4-BE49-F238E27FC236}">
-              <a16:creationId xmlns:a16="http://schemas.microsoft.com/office/drawing/2014/main" id="{3B81AF96-93A2-CD7B-F981-8843B09E26CB}"/>
+              <a16:creationId xmlns:a16="http://schemas.microsoft.com/office/drawing/2014/main" xmlns="" id="{3B81AF96-93A2-CD7B-F981-8843B09E26CB}"/>
             </a:ext>
           </a:extLst>
         </p:cNvPr>
@@ -1226,7 +1226,7 @@
           <p:cNvPr id="2" name="投影片圖像版面配置區 1">
             <a:extLst>
               <a:ext uri="{FF2B5EF4-FFF2-40B4-BE49-F238E27FC236}">
-                <a16:creationId xmlns:a16="http://schemas.microsoft.com/office/drawing/2014/main" id="{FEC6465C-2162-8570-F341-83B41D6CEE72}"/>
+                <a16:creationId xmlns:a16="http://schemas.microsoft.com/office/drawing/2014/main" xmlns="" id="{FEC6465C-2162-8570-F341-83B41D6CEE72}"/>
               </a:ext>
             </a:extLst>
           </p:cNvPr>
@@ -1244,7 +1244,7 @@
           <p:cNvPr id="3" name="備忘稿版面配置區 2">
             <a:extLst>
               <a:ext uri="{FF2B5EF4-FFF2-40B4-BE49-F238E27FC236}">
-                <a16:creationId xmlns:a16="http://schemas.microsoft.com/office/drawing/2014/main" id="{0118480C-7CF0-2DF8-5367-A25457F1B77E}"/>
+                <a16:creationId xmlns:a16="http://schemas.microsoft.com/office/drawing/2014/main" xmlns="" id="{0118480C-7CF0-2DF8-5367-A25457F1B77E}"/>
               </a:ext>
             </a:extLst>
           </p:cNvPr>
@@ -1269,7 +1269,7 @@
           <p:cNvPr id="4" name="投影片編號版面配置區 3">
             <a:extLst>
               <a:ext uri="{FF2B5EF4-FFF2-40B4-BE49-F238E27FC236}">
-                <a16:creationId xmlns:a16="http://schemas.microsoft.com/office/drawing/2014/main" id="{FD4110FE-27D8-AB4B-DC73-0D8ED9EE3FDF}"/>
+                <a16:creationId xmlns:a16="http://schemas.microsoft.com/office/drawing/2014/main" xmlns="" id="{FD4110FE-27D8-AB4B-DC73-0D8ED9EE3FDF}"/>
               </a:ext>
             </a:extLst>
           </p:cNvPr>
@@ -1315,7 +1315,7 @@
         <p:cNvPr id="1" name="">
           <a:extLst>
             <a:ext uri="{FF2B5EF4-FFF2-40B4-BE49-F238E27FC236}">
-              <a16:creationId xmlns:a16="http://schemas.microsoft.com/office/drawing/2014/main" id="{848EED79-3A73-9C24-B234-3E42D7DDF7DF}"/>
+              <a16:creationId xmlns:a16="http://schemas.microsoft.com/office/drawing/2014/main" xmlns="" id="{848EED79-3A73-9C24-B234-3E42D7DDF7DF}"/>
             </a:ext>
           </a:extLst>
         </p:cNvPr>
@@ -1335,7 +1335,7 @@
           <p:cNvPr id="2" name="投影片圖像版面配置區 1">
             <a:extLst>
               <a:ext uri="{FF2B5EF4-FFF2-40B4-BE49-F238E27FC236}">
-                <a16:creationId xmlns:a16="http://schemas.microsoft.com/office/drawing/2014/main" id="{6402136C-D75E-3EA1-6471-C3A05409BF57}"/>
+                <a16:creationId xmlns:a16="http://schemas.microsoft.com/office/drawing/2014/main" xmlns="" id="{6402136C-D75E-3EA1-6471-C3A05409BF57}"/>
               </a:ext>
             </a:extLst>
           </p:cNvPr>
@@ -1353,7 +1353,7 @@
           <p:cNvPr id="3" name="備忘稿版面配置區 2">
             <a:extLst>
               <a:ext uri="{FF2B5EF4-FFF2-40B4-BE49-F238E27FC236}">
-                <a16:creationId xmlns:a16="http://schemas.microsoft.com/office/drawing/2014/main" id="{856CAB1C-5E7F-3802-E037-65D2C6B2EB93}"/>
+                <a16:creationId xmlns:a16="http://schemas.microsoft.com/office/drawing/2014/main" xmlns="" id="{856CAB1C-5E7F-3802-E037-65D2C6B2EB93}"/>
               </a:ext>
             </a:extLst>
           </p:cNvPr>
@@ -1378,7 +1378,7 @@
           <p:cNvPr id="4" name="投影片編號版面配置區 3">
             <a:extLst>
               <a:ext uri="{FF2B5EF4-FFF2-40B4-BE49-F238E27FC236}">
-                <a16:creationId xmlns:a16="http://schemas.microsoft.com/office/drawing/2014/main" id="{F0495FFE-1E9C-8C80-BBF1-B2A75EDF6F7D}"/>
+                <a16:creationId xmlns:a16="http://schemas.microsoft.com/office/drawing/2014/main" xmlns="" id="{F0495FFE-1E9C-8C80-BBF1-B2A75EDF6F7D}"/>
               </a:ext>
             </a:extLst>
           </p:cNvPr>
@@ -1424,7 +1424,7 @@
         <p:cNvPr id="1" name="">
           <a:extLst>
             <a:ext uri="{FF2B5EF4-FFF2-40B4-BE49-F238E27FC236}">
-              <a16:creationId xmlns:a16="http://schemas.microsoft.com/office/drawing/2014/main" id="{E1B84C0F-55CE-A1F2-B6A6-DD7CA830E735}"/>
+              <a16:creationId xmlns:a16="http://schemas.microsoft.com/office/drawing/2014/main" xmlns="" id="{E1B84C0F-55CE-A1F2-B6A6-DD7CA830E735}"/>
             </a:ext>
           </a:extLst>
         </p:cNvPr>
@@ -1444,7 +1444,7 @@
           <p:cNvPr id="2" name="投影片圖像版面配置區 1">
             <a:extLst>
               <a:ext uri="{FF2B5EF4-FFF2-40B4-BE49-F238E27FC236}">
-                <a16:creationId xmlns:a16="http://schemas.microsoft.com/office/drawing/2014/main" id="{D8F36443-1908-D9FB-CEBB-5A3A2796D35A}"/>
+                <a16:creationId xmlns:a16="http://schemas.microsoft.com/office/drawing/2014/main" xmlns="" id="{D8F36443-1908-D9FB-CEBB-5A3A2796D35A}"/>
               </a:ext>
             </a:extLst>
           </p:cNvPr>
@@ -1462,7 +1462,7 @@
           <p:cNvPr id="3" name="備忘稿版面配置區 2">
             <a:extLst>
               <a:ext uri="{FF2B5EF4-FFF2-40B4-BE49-F238E27FC236}">
-                <a16:creationId xmlns:a16="http://schemas.microsoft.com/office/drawing/2014/main" id="{5EB4E344-9B6E-EFFE-EA59-56B5335211DD}"/>
+                <a16:creationId xmlns:a16="http://schemas.microsoft.com/office/drawing/2014/main" xmlns="" id="{5EB4E344-9B6E-EFFE-EA59-56B5335211DD}"/>
               </a:ext>
             </a:extLst>
           </p:cNvPr>
@@ -1487,7 +1487,7 @@
           <p:cNvPr id="4" name="投影片編號版面配置區 3">
             <a:extLst>
               <a:ext uri="{FF2B5EF4-FFF2-40B4-BE49-F238E27FC236}">
-                <a16:creationId xmlns:a16="http://schemas.microsoft.com/office/drawing/2014/main" id="{4EB3A08E-15D6-0066-AA79-4C38F5E7C5D4}"/>
+                <a16:creationId xmlns:a16="http://schemas.microsoft.com/office/drawing/2014/main" xmlns="" id="{4EB3A08E-15D6-0066-AA79-4C38F5E7C5D4}"/>
               </a:ext>
             </a:extLst>
           </p:cNvPr>
@@ -1533,7 +1533,7 @@
         <p:cNvPr id="1" name="">
           <a:extLst>
             <a:ext uri="{FF2B5EF4-FFF2-40B4-BE49-F238E27FC236}">
-              <a16:creationId xmlns:a16="http://schemas.microsoft.com/office/drawing/2014/main" id="{AFA0D6D4-5621-9F52-F662-BEAD56A87B46}"/>
+              <a16:creationId xmlns:a16="http://schemas.microsoft.com/office/drawing/2014/main" xmlns="" id="{AFA0D6D4-5621-9F52-F662-BEAD56A87B46}"/>
             </a:ext>
           </a:extLst>
         </p:cNvPr>
@@ -1553,7 +1553,7 @@
           <p:cNvPr id="2" name="投影片圖像版面配置區 1">
             <a:extLst>
               <a:ext uri="{FF2B5EF4-FFF2-40B4-BE49-F238E27FC236}">
-                <a16:creationId xmlns:a16="http://schemas.microsoft.com/office/drawing/2014/main" id="{FB548F1B-6726-9212-3356-B8C653CB8D04}"/>
+                <a16:creationId xmlns:a16="http://schemas.microsoft.com/office/drawing/2014/main" xmlns="" id="{FB548F1B-6726-9212-3356-B8C653CB8D04}"/>
               </a:ext>
             </a:extLst>
           </p:cNvPr>
@@ -1571,7 +1571,7 @@
           <p:cNvPr id="3" name="備忘稿版面配置區 2">
             <a:extLst>
               <a:ext uri="{FF2B5EF4-FFF2-40B4-BE49-F238E27FC236}">
-                <a16:creationId xmlns:a16="http://schemas.microsoft.com/office/drawing/2014/main" id="{06F6FAA1-E3CB-7D2D-7A22-2BAD393C84C3}"/>
+                <a16:creationId xmlns:a16="http://schemas.microsoft.com/office/drawing/2014/main" xmlns="" id="{06F6FAA1-E3CB-7D2D-7A22-2BAD393C84C3}"/>
               </a:ext>
             </a:extLst>
           </p:cNvPr>
@@ -1596,7 +1596,7 @@
           <p:cNvPr id="4" name="投影片編號版面配置區 3">
             <a:extLst>
               <a:ext uri="{FF2B5EF4-FFF2-40B4-BE49-F238E27FC236}">
-                <a16:creationId xmlns:a16="http://schemas.microsoft.com/office/drawing/2014/main" id="{C120FECE-11E8-8121-752F-D938E141A3A3}"/>
+                <a16:creationId xmlns:a16="http://schemas.microsoft.com/office/drawing/2014/main" xmlns="" id="{C120FECE-11E8-8121-752F-D938E141A3A3}"/>
               </a:ext>
             </a:extLst>
           </p:cNvPr>
@@ -1642,7 +1642,7 @@
         <p:cNvPr id="1" name="">
           <a:extLst>
             <a:ext uri="{FF2B5EF4-FFF2-40B4-BE49-F238E27FC236}">
-              <a16:creationId xmlns:a16="http://schemas.microsoft.com/office/drawing/2014/main" id="{BD39C073-01D8-9FA1-9814-48E7F59ACC2A}"/>
+              <a16:creationId xmlns:a16="http://schemas.microsoft.com/office/drawing/2014/main" xmlns="" id="{BD39C073-01D8-9FA1-9814-48E7F59ACC2A}"/>
             </a:ext>
           </a:extLst>
         </p:cNvPr>
@@ -1662,7 +1662,7 @@
           <p:cNvPr id="2" name="投影片圖像版面配置區 1">
             <a:extLst>
               <a:ext uri="{FF2B5EF4-FFF2-40B4-BE49-F238E27FC236}">
-                <a16:creationId xmlns:a16="http://schemas.microsoft.com/office/drawing/2014/main" id="{EFA6F237-7233-2727-5151-EF6940FB363A}"/>
+                <a16:creationId xmlns:a16="http://schemas.microsoft.com/office/drawing/2014/main" xmlns="" id="{EFA6F237-7233-2727-5151-EF6940FB363A}"/>
               </a:ext>
             </a:extLst>
           </p:cNvPr>
@@ -1680,7 +1680,7 @@
           <p:cNvPr id="3" name="備忘稿版面配置區 2">
             <a:extLst>
               <a:ext uri="{FF2B5EF4-FFF2-40B4-BE49-F238E27FC236}">
-                <a16:creationId xmlns:a16="http://schemas.microsoft.com/office/drawing/2014/main" id="{7F9EE711-63F9-00B3-9495-9E03C1F3D3CC}"/>
+                <a16:creationId xmlns:a16="http://schemas.microsoft.com/office/drawing/2014/main" xmlns="" id="{7F9EE711-63F9-00B3-9495-9E03C1F3D3CC}"/>
               </a:ext>
             </a:extLst>
           </p:cNvPr>
@@ -1705,7 +1705,7 @@
           <p:cNvPr id="4" name="投影片編號版面配置區 3">
             <a:extLst>
               <a:ext uri="{FF2B5EF4-FFF2-40B4-BE49-F238E27FC236}">
-                <a16:creationId xmlns:a16="http://schemas.microsoft.com/office/drawing/2014/main" id="{B75F3EA4-E2E8-F9F1-DD35-5A639A9FC545}"/>
+                <a16:creationId xmlns:a16="http://schemas.microsoft.com/office/drawing/2014/main" xmlns="" id="{B75F3EA4-E2E8-F9F1-DD35-5A639A9FC545}"/>
               </a:ext>
             </a:extLst>
           </p:cNvPr>
@@ -3597,7 +3597,7 @@
           <p:cNvPr id="17" name="Picture 2" descr="國立臺灣大學">
             <a:extLst>
               <a:ext uri="{FF2B5EF4-FFF2-40B4-BE49-F238E27FC236}">
-                <a16:creationId xmlns:a16="http://schemas.microsoft.com/office/drawing/2014/main" id="{84C36C24-3B92-4925-8868-E617BA10AC38}"/>
+                <a16:creationId xmlns:a16="http://schemas.microsoft.com/office/drawing/2014/main" xmlns="" id="{84C36C24-3B92-4925-8868-E617BA10AC38}"/>
               </a:ext>
             </a:extLst>
           </p:cNvPr>
@@ -5196,7 +5196,7 @@
           <p:cNvPr id="2050" name="Picture 2" descr="台大遴選會決定遭駁回管中閔不是校長了，台灣學到什麼教訓？｜天下雜誌">
             <a:extLst>
               <a:ext uri="{FF2B5EF4-FFF2-40B4-BE49-F238E27FC236}">
-                <a16:creationId xmlns:a16="http://schemas.microsoft.com/office/drawing/2014/main" id="{AD25CCFA-A169-4B4D-9AAB-4FD3CE0117D8}"/>
+                <a16:creationId xmlns:a16="http://schemas.microsoft.com/office/drawing/2014/main" xmlns="" id="{AD25CCFA-A169-4B4D-9AAB-4FD3CE0117D8}"/>
               </a:ext>
             </a:extLst>
           </p:cNvPr>
@@ -5235,7 +5235,7 @@
           <p:cNvPr id="9" name="標題 1">
             <a:extLst>
               <a:ext uri="{FF2B5EF4-FFF2-40B4-BE49-F238E27FC236}">
-                <a16:creationId xmlns:a16="http://schemas.microsoft.com/office/drawing/2014/main" id="{BDFD2411-5069-4CA5-B66E-AB62E7A1DE60}"/>
+                <a16:creationId xmlns:a16="http://schemas.microsoft.com/office/drawing/2014/main" xmlns="" id="{BDFD2411-5069-4CA5-B66E-AB62E7A1DE60}"/>
               </a:ext>
             </a:extLst>
           </p:cNvPr>
@@ -5278,7 +5278,7 @@
           <p:cNvPr id="10" name="內容預留位置 2">
             <a:extLst>
               <a:ext uri="{FF2B5EF4-FFF2-40B4-BE49-F238E27FC236}">
-                <a16:creationId xmlns:a16="http://schemas.microsoft.com/office/drawing/2014/main" id="{BDA314B9-2928-4296-A8F2-C460B7717FDB}"/>
+                <a16:creationId xmlns:a16="http://schemas.microsoft.com/office/drawing/2014/main" xmlns="" id="{BDA314B9-2928-4296-A8F2-C460B7717FDB}"/>
               </a:ext>
             </a:extLst>
           </p:cNvPr>
@@ -5517,7 +5517,7 @@
           <p:cNvPr id="2" name="箭號: 五邊形 1">
             <a:extLst>
               <a:ext uri="{FF2B5EF4-FFF2-40B4-BE49-F238E27FC236}">
-                <a16:creationId xmlns:a16="http://schemas.microsoft.com/office/drawing/2014/main" id="{2B2A4164-FC51-40C1-8307-BD11C0F8CFB5}"/>
+                <a16:creationId xmlns:a16="http://schemas.microsoft.com/office/drawing/2014/main" xmlns="" id="{2B2A4164-FC51-40C1-8307-BD11C0F8CFB5}"/>
               </a:ext>
             </a:extLst>
           </p:cNvPr>
@@ -5574,7 +5574,7 @@
           <p:cNvPr id="8" name="箭號: 五邊形 7">
             <a:extLst>
               <a:ext uri="{FF2B5EF4-FFF2-40B4-BE49-F238E27FC236}">
-                <a16:creationId xmlns:a16="http://schemas.microsoft.com/office/drawing/2014/main" id="{A42C3E17-FE95-45A4-BE55-35C930896E44}"/>
+                <a16:creationId xmlns:a16="http://schemas.microsoft.com/office/drawing/2014/main" xmlns="" id="{A42C3E17-FE95-45A4-BE55-35C930896E44}"/>
               </a:ext>
             </a:extLst>
           </p:cNvPr>
@@ -5631,7 +5631,7 @@
           <p:cNvPr id="9" name="Picture 2" descr="國立臺灣大學">
             <a:extLst>
               <a:ext uri="{FF2B5EF4-FFF2-40B4-BE49-F238E27FC236}">
-                <a16:creationId xmlns:a16="http://schemas.microsoft.com/office/drawing/2014/main" id="{2E88D82B-E998-4EDD-80FE-2F0EDEAEB0EB}"/>
+                <a16:creationId xmlns:a16="http://schemas.microsoft.com/office/drawing/2014/main" xmlns="" id="{2E88D82B-E998-4EDD-80FE-2F0EDEAEB0EB}"/>
               </a:ext>
             </a:extLst>
           </p:cNvPr>
@@ -5678,7 +5678,7 @@
           <p:cNvPr id="10" name="標題 1">
             <a:extLst>
               <a:ext uri="{FF2B5EF4-FFF2-40B4-BE49-F238E27FC236}">
-                <a16:creationId xmlns:a16="http://schemas.microsoft.com/office/drawing/2014/main" id="{93ABB2D6-1831-4B6F-8B8F-924BF377F7F3}"/>
+                <a16:creationId xmlns:a16="http://schemas.microsoft.com/office/drawing/2014/main" xmlns="" id="{93ABB2D6-1831-4B6F-8B8F-924BF377F7F3}"/>
               </a:ext>
             </a:extLst>
           </p:cNvPr>
@@ -5724,7 +5724,7 @@
           <p:cNvPr id="11" name="內容預留位置 2">
             <a:extLst>
               <a:ext uri="{FF2B5EF4-FFF2-40B4-BE49-F238E27FC236}">
-                <a16:creationId xmlns:a16="http://schemas.microsoft.com/office/drawing/2014/main" id="{802C1E61-2E34-4316-8FE7-FDF47C3C8932}"/>
+                <a16:creationId xmlns:a16="http://schemas.microsoft.com/office/drawing/2014/main" xmlns="" id="{802C1E61-2E34-4316-8FE7-FDF47C3C8932}"/>
               </a:ext>
             </a:extLst>
           </p:cNvPr>
@@ -8930,7 +8930,7 @@
           <p:cNvPr id="19" name="標題 1">
             <a:extLst>
               <a:ext uri="{FF2B5EF4-FFF2-40B4-BE49-F238E27FC236}">
-                <a16:creationId xmlns:a16="http://schemas.microsoft.com/office/drawing/2014/main" id="{50E9A64D-4207-4980-8736-4201C3E0DC63}"/>
+                <a16:creationId xmlns:a16="http://schemas.microsoft.com/office/drawing/2014/main" xmlns="" id="{50E9A64D-4207-4980-8736-4201C3E0DC63}"/>
               </a:ext>
             </a:extLst>
           </p:cNvPr>
@@ -8978,7 +8978,7 @@
           <p:cNvPr id="24" name="內容版面配置區 2">
             <a:extLst>
               <a:ext uri="{FF2B5EF4-FFF2-40B4-BE49-F238E27FC236}">
-                <a16:creationId xmlns:a16="http://schemas.microsoft.com/office/drawing/2014/main" id="{F5C22ADD-7A5D-44F8-969C-F4721C016703}"/>
+                <a16:creationId xmlns:a16="http://schemas.microsoft.com/office/drawing/2014/main" xmlns="" id="{F5C22ADD-7A5D-44F8-969C-F4721C016703}"/>
               </a:ext>
             </a:extLst>
           </p:cNvPr>
@@ -9436,14 +9436,14 @@
           <a:chExt cx="0" cy="0"/>
         </a:xfrm>
       </p:grpSpPr>
-      <mc:AlternateContent xmlns:mc="http://schemas.openxmlformats.org/markup-compatibility/2006">
-        <mc:Choice xmlns:a14="http://schemas.microsoft.com/office/drawing/2010/main" Requires="a14">
+      <mc:AlternateContent xmlns:mc="http://schemas.openxmlformats.org/markup-compatibility/2006" xmlns:a14="http://schemas.microsoft.com/office/drawing/2010/main">
+        <mc:Choice Requires="a14">
           <p:sp>
             <p:nvSpPr>
               <p:cNvPr id="10" name="內容版面配置區 2">
                 <a:extLst>
                   <a:ext uri="{FF2B5EF4-FFF2-40B4-BE49-F238E27FC236}">
-                    <a16:creationId xmlns:a16="http://schemas.microsoft.com/office/drawing/2014/main" id="{2E881D55-3B47-403F-8F0E-EDFDE34A1B22}"/>
+                    <a16:creationId xmlns:a16="http://schemas.microsoft.com/office/drawing/2014/main" xmlns="" id="{2E881D55-3B47-403F-8F0E-EDFDE34A1B22}"/>
                   </a:ext>
                 </a:extLst>
               </p:cNvPr>
@@ -9499,7 +9499,7 @@
                       <m:fPr>
                         <m:ctrlPr>
                           <a:rPr lang="zh-TW" altLang="zh-TW" sz="2400" i="1">
-                            <a:latin typeface="Cambria Math" panose="02040503050406030204" pitchFamily="18" charset="0"/>
+                            <a:latin typeface="Cambria Math"/>
                           </a:rPr>
                         </m:ctrlPr>
                       </m:fPr>
@@ -9530,7 +9530,7 @@
                       <m:fPr>
                         <m:ctrlPr>
                           <a:rPr lang="zh-TW" altLang="zh-TW" sz="2400" i="1">
-                            <a:latin typeface="Cambria Math" panose="02040503050406030204" pitchFamily="18" charset="0"/>
+                            <a:latin typeface="Cambria Math"/>
                           </a:rPr>
                         </m:ctrlPr>
                       </m:fPr>
@@ -9600,7 +9600,7 @@
             </p:txBody>
           </p:sp>
         </mc:Choice>
-        <mc:Fallback>
+        <mc:Fallback xmlns="">
           <p:sp>
             <p:nvSpPr>
               <p:cNvPr id="10" name="內容版面配置區 2">
@@ -9673,7 +9673,7 @@
           <p:cNvPr id="19" name="標題 1">
             <a:extLst>
               <a:ext uri="{FF2B5EF4-FFF2-40B4-BE49-F238E27FC236}">
-                <a16:creationId xmlns:a16="http://schemas.microsoft.com/office/drawing/2014/main" id="{50E9A64D-4207-4980-8736-4201C3E0DC63}"/>
+                <a16:creationId xmlns:a16="http://schemas.microsoft.com/office/drawing/2014/main" xmlns="" id="{50E9A64D-4207-4980-8736-4201C3E0DC63}"/>
               </a:ext>
             </a:extLst>
           </p:cNvPr>
@@ -9721,7 +9721,7 @@
           <p:cNvPr id="24" name="內容版面配置區 2">
             <a:extLst>
               <a:ext uri="{FF2B5EF4-FFF2-40B4-BE49-F238E27FC236}">
-                <a16:creationId xmlns:a16="http://schemas.microsoft.com/office/drawing/2014/main" id="{F5C22ADD-7A5D-44F8-969C-F4721C016703}"/>
+                <a16:creationId xmlns:a16="http://schemas.microsoft.com/office/drawing/2014/main" xmlns="" id="{F5C22ADD-7A5D-44F8-969C-F4721C016703}"/>
               </a:ext>
             </a:extLst>
           </p:cNvPr>
@@ -10172,7 +10172,7 @@
           <p:cNvPr id="24" name="內容版面配置區 2">
             <a:extLst>
               <a:ext uri="{FF2B5EF4-FFF2-40B4-BE49-F238E27FC236}">
-                <a16:creationId xmlns:a16="http://schemas.microsoft.com/office/drawing/2014/main" id="{F5C22ADD-7A5D-44F8-969C-F4721C016703}"/>
+                <a16:creationId xmlns:a16="http://schemas.microsoft.com/office/drawing/2014/main" xmlns="" id="{F5C22ADD-7A5D-44F8-969C-F4721C016703}"/>
               </a:ext>
             </a:extLst>
           </p:cNvPr>
@@ -10467,14 +10467,14 @@
           </a:p>
         </p:txBody>
       </p:sp>
-      <mc:AlternateContent xmlns:mc="http://schemas.openxmlformats.org/markup-compatibility/2006">
-        <mc:Choice xmlns:a14="http://schemas.microsoft.com/office/drawing/2010/main" Requires="a14">
+      <mc:AlternateContent xmlns:mc="http://schemas.openxmlformats.org/markup-compatibility/2006" xmlns:a14="http://schemas.microsoft.com/office/drawing/2010/main">
+        <mc:Choice Requires="a14">
           <p:sp>
             <p:nvSpPr>
               <p:cNvPr id="10" name="內容版面配置區 2">
                 <a:extLst>
                   <a:ext uri="{FF2B5EF4-FFF2-40B4-BE49-F238E27FC236}">
-                    <a16:creationId xmlns:a16="http://schemas.microsoft.com/office/drawing/2014/main" id="{2E881D55-3B47-403F-8F0E-EDFDE34A1B22}"/>
+                    <a16:creationId xmlns:a16="http://schemas.microsoft.com/office/drawing/2014/main" xmlns="" id="{2E881D55-3B47-403F-8F0E-EDFDE34A1B22}"/>
                   </a:ext>
                 </a:extLst>
               </p:cNvPr>
@@ -10618,7 +10618,7 @@
                       <m:sSupPr>
                         <m:ctrlPr>
                           <a:rPr lang="zh-TW" altLang="zh-TW" sz="2400" b="1" i="1">
-                            <a:latin typeface="Cambria Math" panose="02040503050406030204" pitchFamily="18" charset="0"/>
+                            <a:latin typeface="Cambria Math"/>
                           </a:rPr>
                         </m:ctrlPr>
                       </m:sSupPr>
@@ -10695,7 +10695,7 @@
                       <m:dPr>
                         <m:ctrlPr>
                           <a:rPr lang="zh-TW" altLang="zh-TW" sz="2400" b="1" i="1">
-                            <a:latin typeface="Cambria Math" panose="02040503050406030204" pitchFamily="18" charset="0"/>
+                            <a:latin typeface="Cambria Math"/>
                           </a:rPr>
                         </m:ctrlPr>
                       </m:dPr>
@@ -10978,7 +10978,7 @@
                       <m:sSubSupPr>
                         <m:ctrlPr>
                           <a:rPr lang="zh-TW" altLang="zh-TW" b="1" i="1">
-                            <a:latin typeface="Cambria Math" panose="02040503050406030204" pitchFamily="18" charset="0"/>
+                            <a:latin typeface="Cambria Math"/>
                           </a:rPr>
                         </m:ctrlPr>
                       </m:sSubSupPr>
@@ -11132,7 +11132,7 @@
             </p:txBody>
           </p:sp>
         </mc:Choice>
-        <mc:Fallback>
+        <mc:Fallback xmlns="">
           <p:sp>
             <p:nvSpPr>
               <p:cNvPr id="10" name="內容版面配置區 2">
@@ -11205,7 +11205,7 @@
           <p:cNvPr id="19" name="標題 1">
             <a:extLst>
               <a:ext uri="{FF2B5EF4-FFF2-40B4-BE49-F238E27FC236}">
-                <a16:creationId xmlns:a16="http://schemas.microsoft.com/office/drawing/2014/main" id="{50E9A64D-4207-4980-8736-4201C3E0DC63}"/>
+                <a16:creationId xmlns:a16="http://schemas.microsoft.com/office/drawing/2014/main" xmlns="" id="{50E9A64D-4207-4980-8736-4201C3E0DC63}"/>
               </a:ext>
             </a:extLst>
           </p:cNvPr>
@@ -11319,7 +11319,7 @@
           <p:cNvPr id="19" name="標題 1">
             <a:extLst>
               <a:ext uri="{FF2B5EF4-FFF2-40B4-BE49-F238E27FC236}">
-                <a16:creationId xmlns:a16="http://schemas.microsoft.com/office/drawing/2014/main" id="{50E9A64D-4207-4980-8736-4201C3E0DC63}"/>
+                <a16:creationId xmlns:a16="http://schemas.microsoft.com/office/drawing/2014/main" xmlns="" id="{50E9A64D-4207-4980-8736-4201C3E0DC63}"/>
               </a:ext>
             </a:extLst>
           </p:cNvPr>
@@ -11367,7 +11367,7 @@
           <p:cNvPr id="24" name="內容版面配置區 2">
             <a:extLst>
               <a:ext uri="{FF2B5EF4-FFF2-40B4-BE49-F238E27FC236}">
-                <a16:creationId xmlns:a16="http://schemas.microsoft.com/office/drawing/2014/main" id="{F5C22ADD-7A5D-44F8-969C-F4721C016703}"/>
+                <a16:creationId xmlns:a16="http://schemas.microsoft.com/office/drawing/2014/main" xmlns="" id="{F5C22ADD-7A5D-44F8-969C-F4721C016703}"/>
               </a:ext>
             </a:extLst>
           </p:cNvPr>
@@ -11809,7 +11809,7 @@
           <p:cNvPr id="19" name="標題 1">
             <a:extLst>
               <a:ext uri="{FF2B5EF4-FFF2-40B4-BE49-F238E27FC236}">
-                <a16:creationId xmlns:a16="http://schemas.microsoft.com/office/drawing/2014/main" id="{50E9A64D-4207-4980-8736-4201C3E0DC63}"/>
+                <a16:creationId xmlns:a16="http://schemas.microsoft.com/office/drawing/2014/main" xmlns="" id="{50E9A64D-4207-4980-8736-4201C3E0DC63}"/>
               </a:ext>
             </a:extLst>
           </p:cNvPr>
@@ -11857,7 +11857,7 @@
           <p:cNvPr id="24" name="內容版面配置區 2">
             <a:extLst>
               <a:ext uri="{FF2B5EF4-FFF2-40B4-BE49-F238E27FC236}">
-                <a16:creationId xmlns:a16="http://schemas.microsoft.com/office/drawing/2014/main" id="{F5C22ADD-7A5D-44F8-969C-F4721C016703}"/>
+                <a16:creationId xmlns:a16="http://schemas.microsoft.com/office/drawing/2014/main" xmlns="" id="{F5C22ADD-7A5D-44F8-969C-F4721C016703}"/>
               </a:ext>
             </a:extLst>
           </p:cNvPr>
@@ -12352,7 +12352,7 @@
           <p:cNvPr id="24" name="內容版面配置區 2">
             <a:extLst>
               <a:ext uri="{FF2B5EF4-FFF2-40B4-BE49-F238E27FC236}">
-                <a16:creationId xmlns:a16="http://schemas.microsoft.com/office/drawing/2014/main" id="{F5C22ADD-7A5D-44F8-969C-F4721C016703}"/>
+                <a16:creationId xmlns:a16="http://schemas.microsoft.com/office/drawing/2014/main" xmlns="" id="{F5C22ADD-7A5D-44F8-969C-F4721C016703}"/>
               </a:ext>
             </a:extLst>
           </p:cNvPr>
@@ -12635,14 +12635,14 @@
           </a:p>
         </p:txBody>
       </p:sp>
-      <mc:AlternateContent xmlns:mc="http://schemas.openxmlformats.org/markup-compatibility/2006">
-        <mc:Choice xmlns:a14="http://schemas.microsoft.com/office/drawing/2010/main" Requires="a14">
+      <mc:AlternateContent xmlns:mc="http://schemas.openxmlformats.org/markup-compatibility/2006" xmlns:a14="http://schemas.microsoft.com/office/drawing/2010/main">
+        <mc:Choice Requires="a14">
           <p:sp>
             <p:nvSpPr>
               <p:cNvPr id="10" name="內容版面配置區 2">
                 <a:extLst>
                   <a:ext uri="{FF2B5EF4-FFF2-40B4-BE49-F238E27FC236}">
-                    <a16:creationId xmlns:a16="http://schemas.microsoft.com/office/drawing/2014/main" id="{2E881D55-3B47-403F-8F0E-EDFDE34A1B22}"/>
+                    <a16:creationId xmlns:a16="http://schemas.microsoft.com/office/drawing/2014/main" xmlns="" id="{2E881D55-3B47-403F-8F0E-EDFDE34A1B22}"/>
                   </a:ext>
                 </a:extLst>
               </p:cNvPr>
@@ -12764,7 +12764,7 @@
                         <m:dPr>
                           <m:ctrlPr>
                             <a:rPr lang="en-US" altLang="zh-TW" sz="2000" b="1" i="1" smtClean="0">
-                              <a:latin typeface="Cambria Math" panose="02040503050406030204" pitchFamily="18" charset="0"/>
+                              <a:latin typeface="Cambria Math"/>
                             </a:rPr>
                           </m:ctrlPr>
                         </m:dPr>
@@ -12781,7 +12781,7 @@
                               <m:endChr m:val="|"/>
                               <m:ctrlPr>
                                 <a:rPr lang="en-US" altLang="zh-TW" sz="2000" b="1" i="1" smtClean="0">
-                                  <a:latin typeface="Cambria Math" panose="02040503050406030204" pitchFamily="18" charset="0"/>
+                                  <a:latin typeface="Cambria Math"/>
                                 </a:rPr>
                               </m:ctrlPr>
                             </m:dPr>
@@ -12792,7 +12792,7 @@
                                   <m:endChr m:val="|"/>
                                   <m:ctrlPr>
                                     <a:rPr lang="en-US" altLang="zh-TW" sz="2000" b="1" i="1" smtClean="0">
-                                      <a:latin typeface="Cambria Math" panose="02040503050406030204" pitchFamily="18" charset="0"/>
+                                      <a:latin typeface="Cambria Math"/>
                                     </a:rPr>
                                   </m:ctrlPr>
                                 </m:dPr>
@@ -12929,7 +12929,7 @@
             </p:txBody>
           </p:sp>
         </mc:Choice>
-        <mc:Fallback>
+        <mc:Fallback xmlns="">
           <p:sp>
             <p:nvSpPr>
               <p:cNvPr id="10" name="內容版面配置區 2">
@@ -13002,7 +13002,7 @@
           <p:cNvPr id="19" name="標題 1">
             <a:extLst>
               <a:ext uri="{FF2B5EF4-FFF2-40B4-BE49-F238E27FC236}">
-                <a16:creationId xmlns:a16="http://schemas.microsoft.com/office/drawing/2014/main" id="{50E9A64D-4207-4980-8736-4201C3E0DC63}"/>
+                <a16:creationId xmlns:a16="http://schemas.microsoft.com/office/drawing/2014/main" xmlns="" id="{50E9A64D-4207-4980-8736-4201C3E0DC63}"/>
               </a:ext>
             </a:extLst>
           </p:cNvPr>
@@ -13078,7 +13078,7 @@
         <p:cNvPr id="1" name="">
           <a:extLst>
             <a:ext uri="{FF2B5EF4-FFF2-40B4-BE49-F238E27FC236}">
-              <a16:creationId xmlns:a16="http://schemas.microsoft.com/office/drawing/2014/main" id="{B469AE4A-9249-3FED-2067-384E39107BD0}"/>
+              <a16:creationId xmlns:a16="http://schemas.microsoft.com/office/drawing/2014/main" xmlns="" id="{B469AE4A-9249-3FED-2067-384E39107BD0}"/>
             </a:ext>
           </a:extLst>
         </p:cNvPr>
@@ -13098,7 +13098,7 @@
           <p:cNvPr id="24" name="內容版面配置區 2">
             <a:extLst>
               <a:ext uri="{FF2B5EF4-FFF2-40B4-BE49-F238E27FC236}">
-                <a16:creationId xmlns:a16="http://schemas.microsoft.com/office/drawing/2014/main" id="{624781B9-4CC9-0F9D-A892-05EB506482D5}"/>
+                <a16:creationId xmlns:a16="http://schemas.microsoft.com/office/drawing/2014/main" xmlns="" id="{624781B9-4CC9-0F9D-A892-05EB506482D5}"/>
               </a:ext>
             </a:extLst>
           </p:cNvPr>
@@ -13381,14 +13381,14 @@
           </a:p>
         </p:txBody>
       </p:sp>
-      <mc:AlternateContent xmlns:mc="http://schemas.openxmlformats.org/markup-compatibility/2006">
-        <mc:Choice xmlns:a14="http://schemas.microsoft.com/office/drawing/2010/main" Requires="a14">
+      <mc:AlternateContent xmlns:mc="http://schemas.openxmlformats.org/markup-compatibility/2006" xmlns:a14="http://schemas.microsoft.com/office/drawing/2010/main">
+        <mc:Choice Requires="a14">
           <p:sp>
             <p:nvSpPr>
               <p:cNvPr id="10" name="內容版面配置區 2">
                 <a:extLst>
                   <a:ext uri="{FF2B5EF4-FFF2-40B4-BE49-F238E27FC236}">
-                    <a16:creationId xmlns:a16="http://schemas.microsoft.com/office/drawing/2014/main" id="{96D01D55-DC2A-F28F-8647-F75C069D7F93}"/>
+                    <a16:creationId xmlns:a16="http://schemas.microsoft.com/office/drawing/2014/main" xmlns="" id="{96D01D55-DC2A-F28F-8647-F75C069D7F93}"/>
                   </a:ext>
                 </a:extLst>
               </p:cNvPr>
@@ -13535,7 +13535,7 @@
                       <m:sSupPr>
                         <m:ctrlPr>
                           <a:rPr lang="en-US" altLang="zh-TW" b="1" i="1" smtClean="0">
-                            <a:latin typeface="Cambria Math" panose="02040503050406030204" pitchFamily="18" charset="0"/>
+                            <a:latin typeface="Cambria Math"/>
                           </a:rPr>
                         </m:ctrlPr>
                       </m:sSupPr>
@@ -13637,7 +13637,7 @@
                       <m:sSupPr>
                         <m:ctrlPr>
                           <a:rPr lang="en-US" altLang="zh-TW" b="1" i="1" smtClean="0">
-                            <a:latin typeface="Cambria Math" panose="02040503050406030204" pitchFamily="18" charset="0"/>
+                            <a:latin typeface="Cambria Math"/>
                           </a:rPr>
                         </m:ctrlPr>
                       </m:sSupPr>
@@ -13744,7 +13744,7 @@
                         <m:dPr>
                           <m:ctrlPr>
                             <a:rPr lang="en-US" altLang="zh-TW" sz="2000" b="1" i="1" smtClean="0">
-                              <a:latin typeface="Cambria Math" panose="02040503050406030204" pitchFamily="18" charset="0"/>
+                              <a:latin typeface="Cambria Math"/>
                             </a:rPr>
                           </m:ctrlPr>
                         </m:dPr>
@@ -13761,7 +13761,7 @@
                               <m:endChr m:val="|"/>
                               <m:ctrlPr>
                                 <a:rPr lang="en-US" altLang="zh-TW" sz="2000" b="1" i="1" smtClean="0">
-                                  <a:latin typeface="Cambria Math" panose="02040503050406030204" pitchFamily="18" charset="0"/>
+                                  <a:latin typeface="Cambria Math"/>
                                 </a:rPr>
                               </m:ctrlPr>
                             </m:dPr>
@@ -13772,7 +13772,7 @@
                                   <m:endChr m:val="|"/>
                                   <m:ctrlPr>
                                     <a:rPr lang="en-US" altLang="zh-TW" sz="2000" b="1" i="1" smtClean="0">
-                                      <a:latin typeface="Cambria Math" panose="02040503050406030204" pitchFamily="18" charset="0"/>
+                                      <a:latin typeface="Cambria Math"/>
                                     </a:rPr>
                                   </m:ctrlPr>
                                 </m:dPr>
@@ -13943,7 +13943,7 @@
                       <m:sSupPr>
                         <m:ctrlPr>
                           <a:rPr lang="en-US" altLang="zh-TW" b="1" i="1" smtClean="0">
-                            <a:latin typeface="Cambria Math" panose="02040503050406030204" pitchFamily="18" charset="0"/>
+                            <a:latin typeface="Cambria Math"/>
                           </a:rPr>
                         </m:ctrlPr>
                       </m:sSupPr>
@@ -13989,7 +13989,7 @@
                       <m:sSupPr>
                         <m:ctrlPr>
                           <a:rPr lang="en-US" altLang="zh-TW" b="1" i="1" smtClean="0">
-                            <a:latin typeface="Cambria Math" panose="02040503050406030204" pitchFamily="18" charset="0"/>
+                            <a:latin typeface="Cambria Math"/>
                             <a:ea typeface="Cambria Math" panose="02040503050406030204" pitchFamily="18" charset="0"/>
                           </a:rPr>
                         </m:ctrlPr>
@@ -14055,7 +14055,7 @@
             </p:txBody>
           </p:sp>
         </mc:Choice>
-        <mc:Fallback>
+        <mc:Fallback xmlns="">
           <p:sp>
             <p:nvSpPr>
               <p:cNvPr id="10" name="內容版面配置區 2">
@@ -14104,7 +14104,7 @@
           <p:cNvPr id="5" name="投影片編號版面配置區 4">
             <a:extLst>
               <a:ext uri="{FF2B5EF4-FFF2-40B4-BE49-F238E27FC236}">
-                <a16:creationId xmlns:a16="http://schemas.microsoft.com/office/drawing/2014/main" id="{B7B21BEA-F520-C6EE-0FAF-0F4C6BB03FD7}"/>
+                <a16:creationId xmlns:a16="http://schemas.microsoft.com/office/drawing/2014/main" xmlns="" id="{B7B21BEA-F520-C6EE-0FAF-0F4C6BB03FD7}"/>
               </a:ext>
             </a:extLst>
           </p:cNvPr>
@@ -14134,7 +14134,7 @@
           <p:cNvPr id="19" name="標題 1">
             <a:extLst>
               <a:ext uri="{FF2B5EF4-FFF2-40B4-BE49-F238E27FC236}">
-                <a16:creationId xmlns:a16="http://schemas.microsoft.com/office/drawing/2014/main" id="{9D4321D6-3A3D-9D5F-02C3-8229FD00D7FE}"/>
+                <a16:creationId xmlns:a16="http://schemas.microsoft.com/office/drawing/2014/main" xmlns="" id="{9D4321D6-3A3D-9D5F-02C3-8229FD00D7FE}"/>
               </a:ext>
             </a:extLst>
           </p:cNvPr>
@@ -14210,7 +14210,7 @@
         <p:cNvPr id="1" name="">
           <a:extLst>
             <a:ext uri="{FF2B5EF4-FFF2-40B4-BE49-F238E27FC236}">
-              <a16:creationId xmlns:a16="http://schemas.microsoft.com/office/drawing/2014/main" id="{9E204FA9-202B-4B05-25BC-1FDBD3E11412}"/>
+              <a16:creationId xmlns:a16="http://schemas.microsoft.com/office/drawing/2014/main" xmlns="" id="{9E204FA9-202B-4B05-25BC-1FDBD3E11412}"/>
             </a:ext>
           </a:extLst>
         </p:cNvPr>
@@ -14230,7 +14230,7 @@
           <p:cNvPr id="24" name="內容版面配置區 2">
             <a:extLst>
               <a:ext uri="{FF2B5EF4-FFF2-40B4-BE49-F238E27FC236}">
-                <a16:creationId xmlns:a16="http://schemas.microsoft.com/office/drawing/2014/main" id="{20F65E12-D10F-EE3C-AE06-1DDA4B571813}"/>
+                <a16:creationId xmlns:a16="http://schemas.microsoft.com/office/drawing/2014/main" xmlns="" id="{20F65E12-D10F-EE3C-AE06-1DDA4B571813}"/>
               </a:ext>
             </a:extLst>
           </p:cNvPr>
@@ -14513,14 +14513,14 @@
           </a:p>
         </p:txBody>
       </p:sp>
-      <mc:AlternateContent xmlns:mc="http://schemas.openxmlformats.org/markup-compatibility/2006">
-        <mc:Choice xmlns:a14="http://schemas.microsoft.com/office/drawing/2010/main" Requires="a14">
+      <mc:AlternateContent xmlns:mc="http://schemas.openxmlformats.org/markup-compatibility/2006" xmlns:a14="http://schemas.microsoft.com/office/drawing/2010/main">
+        <mc:Choice Requires="a14">
           <p:sp>
             <p:nvSpPr>
               <p:cNvPr id="10" name="內容版面配置區 2">
                 <a:extLst>
                   <a:ext uri="{FF2B5EF4-FFF2-40B4-BE49-F238E27FC236}">
-                    <a16:creationId xmlns:a16="http://schemas.microsoft.com/office/drawing/2014/main" id="{93C4D173-EAD8-1D23-F396-C0AB669DA430}"/>
+                    <a16:creationId xmlns:a16="http://schemas.microsoft.com/office/drawing/2014/main" xmlns="" id="{93C4D173-EAD8-1D23-F396-C0AB669DA430}"/>
                   </a:ext>
                 </a:extLst>
               </p:cNvPr>
@@ -14631,7 +14631,7 @@
                       <m:sSupPr>
                         <m:ctrlPr>
                           <a:rPr lang="en-US" altLang="zh-TW" b="1" i="1" smtClean="0">
-                            <a:latin typeface="Cambria Math" panose="02040503050406030204" pitchFamily="18" charset="0"/>
+                            <a:latin typeface="Cambria Math"/>
                           </a:rPr>
                         </m:ctrlPr>
                       </m:sSupPr>
@@ -14677,7 +14677,7 @@
                       <m:sSupPr>
                         <m:ctrlPr>
                           <a:rPr lang="en-US" altLang="zh-TW" b="1" i="1" smtClean="0">
-                            <a:latin typeface="Cambria Math" panose="02040503050406030204" pitchFamily="18" charset="0"/>
+                            <a:latin typeface="Cambria Math"/>
                             <a:ea typeface="Cambria Math" panose="02040503050406030204" pitchFamily="18" charset="0"/>
                           </a:rPr>
                         </m:ctrlPr>
@@ -14798,7 +14798,7 @@
             </p:txBody>
           </p:sp>
         </mc:Choice>
-        <mc:Fallback>
+        <mc:Fallback xmlns="">
           <p:sp>
             <p:nvSpPr>
               <p:cNvPr id="10" name="內容版面配置區 2">
@@ -14847,7 +14847,7 @@
           <p:cNvPr id="5" name="投影片編號版面配置區 4">
             <a:extLst>
               <a:ext uri="{FF2B5EF4-FFF2-40B4-BE49-F238E27FC236}">
-                <a16:creationId xmlns:a16="http://schemas.microsoft.com/office/drawing/2014/main" id="{D6F97B8E-869A-D2F8-C581-DD193A461728}"/>
+                <a16:creationId xmlns:a16="http://schemas.microsoft.com/office/drawing/2014/main" xmlns="" id="{D6F97B8E-869A-D2F8-C581-DD193A461728}"/>
               </a:ext>
             </a:extLst>
           </p:cNvPr>
@@ -14877,7 +14877,7 @@
           <p:cNvPr id="19" name="標題 1">
             <a:extLst>
               <a:ext uri="{FF2B5EF4-FFF2-40B4-BE49-F238E27FC236}">
-                <a16:creationId xmlns:a16="http://schemas.microsoft.com/office/drawing/2014/main" id="{94625532-B347-F56B-9A7A-EBB736A4887F}"/>
+                <a16:creationId xmlns:a16="http://schemas.microsoft.com/office/drawing/2014/main" xmlns="" id="{94625532-B347-F56B-9A7A-EBB736A4887F}"/>
               </a:ext>
             </a:extLst>
           </p:cNvPr>
@@ -14925,7 +14925,7 @@
           <p:cNvPr id="3" name="圖片 2">
             <a:extLst>
               <a:ext uri="{FF2B5EF4-FFF2-40B4-BE49-F238E27FC236}">
-                <a16:creationId xmlns:a16="http://schemas.microsoft.com/office/drawing/2014/main" id="{A0528F2D-F86E-6A3E-6990-829ED3ADED57}"/>
+                <a16:creationId xmlns:a16="http://schemas.microsoft.com/office/drawing/2014/main" xmlns="" id="{A0528F2D-F86E-6A3E-6990-829ED3ADED57}"/>
               </a:ext>
             </a:extLst>
           </p:cNvPr>
@@ -14983,7 +14983,7 @@
         <p:cNvPr id="1" name="">
           <a:extLst>
             <a:ext uri="{FF2B5EF4-FFF2-40B4-BE49-F238E27FC236}">
-              <a16:creationId xmlns:a16="http://schemas.microsoft.com/office/drawing/2014/main" id="{98D22BDD-C9CA-885B-EBFB-8DAED2C2BECF}"/>
+              <a16:creationId xmlns:a16="http://schemas.microsoft.com/office/drawing/2014/main" xmlns="" id="{98D22BDD-C9CA-885B-EBFB-8DAED2C2BECF}"/>
             </a:ext>
           </a:extLst>
         </p:cNvPr>
@@ -15003,7 +15003,7 @@
           <p:cNvPr id="24" name="內容版面配置區 2">
             <a:extLst>
               <a:ext uri="{FF2B5EF4-FFF2-40B4-BE49-F238E27FC236}">
-                <a16:creationId xmlns:a16="http://schemas.microsoft.com/office/drawing/2014/main" id="{6C754653-49C9-C69E-8CFF-194ABF48B271}"/>
+                <a16:creationId xmlns:a16="http://schemas.microsoft.com/office/drawing/2014/main" xmlns="" id="{6C754653-49C9-C69E-8CFF-194ABF48B271}"/>
               </a:ext>
             </a:extLst>
           </p:cNvPr>
@@ -15291,7 +15291,7 @@
           <p:cNvPr id="10" name="內容版面配置區 2">
             <a:extLst>
               <a:ext uri="{FF2B5EF4-FFF2-40B4-BE49-F238E27FC236}">
-                <a16:creationId xmlns:a16="http://schemas.microsoft.com/office/drawing/2014/main" id="{DB70D701-98EF-30FD-5C98-5FC3B3F2BBC4}"/>
+                <a16:creationId xmlns:a16="http://schemas.microsoft.com/office/drawing/2014/main" xmlns="" id="{DB70D701-98EF-30FD-5C98-5FC3B3F2BBC4}"/>
               </a:ext>
             </a:extLst>
           </p:cNvPr>
@@ -15456,7 +15456,7 @@
           <p:cNvPr id="5" name="投影片編號版面配置區 4">
             <a:extLst>
               <a:ext uri="{FF2B5EF4-FFF2-40B4-BE49-F238E27FC236}">
-                <a16:creationId xmlns:a16="http://schemas.microsoft.com/office/drawing/2014/main" id="{2BB85689-2644-C8D5-50C0-5C96E6813C70}"/>
+                <a16:creationId xmlns:a16="http://schemas.microsoft.com/office/drawing/2014/main" xmlns="" id="{2BB85689-2644-C8D5-50C0-5C96E6813C70}"/>
               </a:ext>
             </a:extLst>
           </p:cNvPr>
@@ -15486,7 +15486,7 @@
           <p:cNvPr id="19" name="標題 1">
             <a:extLst>
               <a:ext uri="{FF2B5EF4-FFF2-40B4-BE49-F238E27FC236}">
-                <a16:creationId xmlns:a16="http://schemas.microsoft.com/office/drawing/2014/main" id="{6B2D458A-0D8E-7729-6BC6-859D05F2BC99}"/>
+                <a16:creationId xmlns:a16="http://schemas.microsoft.com/office/drawing/2014/main" xmlns="" id="{6B2D458A-0D8E-7729-6BC6-859D05F2BC99}"/>
               </a:ext>
             </a:extLst>
           </p:cNvPr>
@@ -15534,7 +15534,7 @@
           <p:cNvPr id="4" name="圖片 3" descr="一張含有 文字, 螢幕擷取畫面, 字型 的圖片&#10;&#10;AI 產生的內容可能不正確。">
             <a:extLst>
               <a:ext uri="{FF2B5EF4-FFF2-40B4-BE49-F238E27FC236}">
-                <a16:creationId xmlns:a16="http://schemas.microsoft.com/office/drawing/2014/main" id="{3B5F434E-0ED8-D5B1-C32B-F7FA095B7B03}"/>
+                <a16:creationId xmlns:a16="http://schemas.microsoft.com/office/drawing/2014/main" xmlns="" id="{3B5F434E-0ED8-D5B1-C32B-F7FA095B7B03}"/>
               </a:ext>
             </a:extLst>
           </p:cNvPr>
@@ -15592,7 +15592,7 @@
         <p:cNvPr id="1" name="">
           <a:extLst>
             <a:ext uri="{FF2B5EF4-FFF2-40B4-BE49-F238E27FC236}">
-              <a16:creationId xmlns:a16="http://schemas.microsoft.com/office/drawing/2014/main" id="{28D62BE3-5E3A-F3CD-3278-972CF86B5FED}"/>
+              <a16:creationId xmlns:a16="http://schemas.microsoft.com/office/drawing/2014/main" xmlns="" id="{28D62BE3-5E3A-F3CD-3278-972CF86B5FED}"/>
             </a:ext>
           </a:extLst>
         </p:cNvPr>
@@ -15612,7 +15612,7 @@
           <p:cNvPr id="24" name="內容版面配置區 2">
             <a:extLst>
               <a:ext uri="{FF2B5EF4-FFF2-40B4-BE49-F238E27FC236}">
-                <a16:creationId xmlns:a16="http://schemas.microsoft.com/office/drawing/2014/main" id="{020563BB-809F-FE00-008F-5593DDEB0872}"/>
+                <a16:creationId xmlns:a16="http://schemas.microsoft.com/office/drawing/2014/main" xmlns="" id="{020563BB-809F-FE00-008F-5593DDEB0872}"/>
               </a:ext>
             </a:extLst>
           </p:cNvPr>
@@ -15900,7 +15900,7 @@
           <p:cNvPr id="10" name="內容版面配置區 2">
             <a:extLst>
               <a:ext uri="{FF2B5EF4-FFF2-40B4-BE49-F238E27FC236}">
-                <a16:creationId xmlns:a16="http://schemas.microsoft.com/office/drawing/2014/main" id="{F6B0E312-461E-B73D-DFDE-0FCADC68B61F}"/>
+                <a16:creationId xmlns:a16="http://schemas.microsoft.com/office/drawing/2014/main" xmlns="" id="{F6B0E312-461E-B73D-DFDE-0FCADC68B61F}"/>
               </a:ext>
             </a:extLst>
           </p:cNvPr>
@@ -16092,6 +16092,19 @@
               </a:rPr>
               <a:t>000</a:t>
             </a:r>
+            <a:r>
+              <a:rPr kumimoji="0" lang="zh-TW" altLang="zh-TW" sz="1500" b="0" i="0" u="none" strike="noStrike" cap="none" normalizeH="0" baseline="0" dirty="0">
+                <a:ln>
+                  <a:noFill/>
+                </a:ln>
+                <a:solidFill>
+                  <a:schemeClr val="tx1"/>
+                </a:solidFill>
+                <a:effectLst/>
+                <a:latin typeface="Arial" panose="020B0604020202020204" pitchFamily="34" charset="0"/>
+              </a:rPr>
+              <a:t/>
+            </a:r>
             <a:br>
               <a:rPr kumimoji="0" lang="zh-TW" altLang="zh-TW" sz="1500" b="0" i="0" u="none" strike="noStrike" cap="none" normalizeH="0" baseline="0" dirty="0">
                 <a:ln>
@@ -16261,6 +16274,19 @@
               </a:rPr>
               <a:t>000</a:t>
             </a:r>
+            <a:r>
+              <a:rPr kumimoji="0" lang="zh-TW" altLang="zh-TW" sz="1500" b="0" i="0" u="none" strike="noStrike" cap="none" normalizeH="0" baseline="0" dirty="0">
+                <a:ln>
+                  <a:noFill/>
+                </a:ln>
+                <a:solidFill>
+                  <a:schemeClr val="tx1"/>
+                </a:solidFill>
+                <a:effectLst/>
+                <a:latin typeface="Arial" panose="020B0604020202020204" pitchFamily="34" charset="0"/>
+              </a:rPr>
+              <a:t/>
+            </a:r>
             <a:br>
               <a:rPr kumimoji="0" lang="zh-TW" altLang="zh-TW" sz="1500" b="0" i="0" u="none" strike="noStrike" cap="none" normalizeH="0" baseline="0" dirty="0">
                 <a:ln>
@@ -16488,6 +16514,19 @@
               </a:rPr>
               <a:t>000</a:t>
             </a:r>
+            <a:r>
+              <a:rPr kumimoji="0" lang="zh-TW" altLang="zh-TW" sz="1500" b="0" i="0" u="none" strike="noStrike" cap="none" normalizeH="0" baseline="0" dirty="0">
+                <a:ln>
+                  <a:noFill/>
+                </a:ln>
+                <a:solidFill>
+                  <a:schemeClr val="tx1"/>
+                </a:solidFill>
+                <a:effectLst/>
+                <a:latin typeface="Arial" panose="020B0604020202020204" pitchFamily="34" charset="0"/>
+              </a:rPr>
+              <a:t/>
+            </a:r>
             <a:br>
               <a:rPr kumimoji="0" lang="zh-TW" altLang="zh-TW" sz="1500" b="0" i="0" u="none" strike="noStrike" cap="none" normalizeH="0" baseline="0" dirty="0">
                 <a:ln>
@@ -16649,6 +16688,19 @@
                 <a:latin typeface="Cambria Math" panose="02040503050406030204" pitchFamily="18" charset="0"/>
               </a:rPr>
               <a:t>000</a:t>
+            </a:r>
+            <a:r>
+              <a:rPr kumimoji="0" lang="zh-TW" altLang="zh-TW" sz="1500" b="0" i="0" u="none" strike="noStrike" cap="none" normalizeH="0" baseline="0" dirty="0">
+                <a:ln>
+                  <a:noFill/>
+                </a:ln>
+                <a:solidFill>
+                  <a:schemeClr val="tx1"/>
+                </a:solidFill>
+                <a:effectLst/>
+                <a:latin typeface="Arial" panose="020B0604020202020204" pitchFamily="34" charset="0"/>
+              </a:rPr>
+              <a:t/>
             </a:r>
             <a:br>
               <a:rPr kumimoji="0" lang="zh-TW" altLang="zh-TW" sz="1500" b="0" i="0" u="none" strike="noStrike" cap="none" normalizeH="0" baseline="0" dirty="0">
@@ -16974,7 +17026,7 @@
           <p:cNvPr id="5" name="投影片編號版面配置區 4">
             <a:extLst>
               <a:ext uri="{FF2B5EF4-FFF2-40B4-BE49-F238E27FC236}">
-                <a16:creationId xmlns:a16="http://schemas.microsoft.com/office/drawing/2014/main" id="{627A1F58-1586-953E-757D-22D0773CF109}"/>
+                <a16:creationId xmlns:a16="http://schemas.microsoft.com/office/drawing/2014/main" xmlns="" id="{627A1F58-1586-953E-757D-22D0773CF109}"/>
               </a:ext>
             </a:extLst>
           </p:cNvPr>
@@ -17004,7 +17056,7 @@
           <p:cNvPr id="19" name="標題 1">
             <a:extLst>
               <a:ext uri="{FF2B5EF4-FFF2-40B4-BE49-F238E27FC236}">
-                <a16:creationId xmlns:a16="http://schemas.microsoft.com/office/drawing/2014/main" id="{6D6E8DCB-787D-B321-B54B-FACE0E7808CE}"/>
+                <a16:creationId xmlns:a16="http://schemas.microsoft.com/office/drawing/2014/main" xmlns="" id="{6D6E8DCB-787D-B321-B54B-FACE0E7808CE}"/>
               </a:ext>
             </a:extLst>
           </p:cNvPr>
@@ -17052,7 +17104,7 @@
           <p:cNvPr id="9" name="圖片 8">
             <a:extLst>
               <a:ext uri="{FF2B5EF4-FFF2-40B4-BE49-F238E27FC236}">
-                <a16:creationId xmlns:a16="http://schemas.microsoft.com/office/drawing/2014/main" id="{FD1DB391-408B-6912-8AEE-8194471EA896}"/>
+                <a16:creationId xmlns:a16="http://schemas.microsoft.com/office/drawing/2014/main" xmlns="" id="{FD1DB391-408B-6912-8AEE-8194471EA896}"/>
               </a:ext>
             </a:extLst>
           </p:cNvPr>
@@ -17082,7 +17134,7 @@
           <p:cNvPr id="7" name="圖片 6">
             <a:extLst>
               <a:ext uri="{FF2B5EF4-FFF2-40B4-BE49-F238E27FC236}">
-                <a16:creationId xmlns:a16="http://schemas.microsoft.com/office/drawing/2014/main" id="{1587529D-97EC-77B3-D53C-2D19516A619C}"/>
+                <a16:creationId xmlns:a16="http://schemas.microsoft.com/office/drawing/2014/main" xmlns="" id="{1587529D-97EC-77B3-D53C-2D19516A619C}"/>
               </a:ext>
             </a:extLst>
           </p:cNvPr>
@@ -17112,7 +17164,7 @@
           <p:cNvPr id="11" name="圖片 10">
             <a:extLst>
               <a:ext uri="{FF2B5EF4-FFF2-40B4-BE49-F238E27FC236}">
-                <a16:creationId xmlns:a16="http://schemas.microsoft.com/office/drawing/2014/main" id="{480A6584-7C4B-AF53-67D5-03960ABF868C}"/>
+                <a16:creationId xmlns:a16="http://schemas.microsoft.com/office/drawing/2014/main" xmlns="" id="{480A6584-7C4B-AF53-67D5-03960ABF868C}"/>
               </a:ext>
             </a:extLst>
           </p:cNvPr>
@@ -17142,7 +17194,7 @@
           <p:cNvPr id="15" name="圖片 14">
             <a:extLst>
               <a:ext uri="{FF2B5EF4-FFF2-40B4-BE49-F238E27FC236}">
-                <a16:creationId xmlns:a16="http://schemas.microsoft.com/office/drawing/2014/main" id="{E869E94B-3200-0607-38DA-9F4AB57393D8}"/>
+                <a16:creationId xmlns:a16="http://schemas.microsoft.com/office/drawing/2014/main" xmlns="" id="{E869E94B-3200-0607-38DA-9F4AB57393D8}"/>
               </a:ext>
             </a:extLst>
           </p:cNvPr>
@@ -17172,7 +17224,7 @@
           <p:cNvPr id="17" name="框架 16">
             <a:extLst>
               <a:ext uri="{FF2B5EF4-FFF2-40B4-BE49-F238E27FC236}">
-                <a16:creationId xmlns:a16="http://schemas.microsoft.com/office/drawing/2014/main" id="{71808041-C3DD-D07D-FA6E-1E8204212216}"/>
+                <a16:creationId xmlns:a16="http://schemas.microsoft.com/office/drawing/2014/main" xmlns="" id="{71808041-C3DD-D07D-FA6E-1E8204212216}"/>
               </a:ext>
             </a:extLst>
           </p:cNvPr>
@@ -17234,7 +17286,7 @@
           <p:cNvPr id="18" name="框架 17">
             <a:extLst>
               <a:ext uri="{FF2B5EF4-FFF2-40B4-BE49-F238E27FC236}">
-                <a16:creationId xmlns:a16="http://schemas.microsoft.com/office/drawing/2014/main" id="{6760C638-1413-7A8A-154B-8C4D52F8284C}"/>
+                <a16:creationId xmlns:a16="http://schemas.microsoft.com/office/drawing/2014/main" xmlns="" id="{6760C638-1413-7A8A-154B-8C4D52F8284C}"/>
               </a:ext>
             </a:extLst>
           </p:cNvPr>
@@ -17296,7 +17348,7 @@
           <p:cNvPr id="20" name="框架 19">
             <a:extLst>
               <a:ext uri="{FF2B5EF4-FFF2-40B4-BE49-F238E27FC236}">
-                <a16:creationId xmlns:a16="http://schemas.microsoft.com/office/drawing/2014/main" id="{3EAD18CE-54BB-914D-1A0B-39D3DA406497}"/>
+                <a16:creationId xmlns:a16="http://schemas.microsoft.com/office/drawing/2014/main" xmlns="" id="{3EAD18CE-54BB-914D-1A0B-39D3DA406497}"/>
               </a:ext>
             </a:extLst>
           </p:cNvPr>
@@ -17358,7 +17410,7 @@
           <p:cNvPr id="21" name="框架 20">
             <a:extLst>
               <a:ext uri="{FF2B5EF4-FFF2-40B4-BE49-F238E27FC236}">
-                <a16:creationId xmlns:a16="http://schemas.microsoft.com/office/drawing/2014/main" id="{8A08AEBC-2B70-F3E4-6DB4-7E1E90C01265}"/>
+                <a16:creationId xmlns:a16="http://schemas.microsoft.com/office/drawing/2014/main" xmlns="" id="{8A08AEBC-2B70-F3E4-6DB4-7E1E90C01265}"/>
               </a:ext>
             </a:extLst>
           </p:cNvPr>
@@ -17462,7 +17514,7 @@
           <p:cNvPr id="4" name="標題 1">
             <a:extLst>
               <a:ext uri="{FF2B5EF4-FFF2-40B4-BE49-F238E27FC236}">
-                <a16:creationId xmlns:a16="http://schemas.microsoft.com/office/drawing/2014/main" id="{5E6B7CFB-F29E-40F1-941C-60839576EFD3}"/>
+                <a16:creationId xmlns:a16="http://schemas.microsoft.com/office/drawing/2014/main" xmlns="" id="{5E6B7CFB-F29E-40F1-941C-60839576EFD3}"/>
               </a:ext>
             </a:extLst>
           </p:cNvPr>
@@ -17528,7 +17580,7 @@
           <p:cNvPr id="5" name="內容版面配置區 2">
             <a:extLst>
               <a:ext uri="{FF2B5EF4-FFF2-40B4-BE49-F238E27FC236}">
-                <a16:creationId xmlns:a16="http://schemas.microsoft.com/office/drawing/2014/main" id="{A302D0AD-FC16-4984-8880-9A709EF0C7EB}"/>
+                <a16:creationId xmlns:a16="http://schemas.microsoft.com/office/drawing/2014/main" xmlns="" id="{A302D0AD-FC16-4984-8880-9A709EF0C7EB}"/>
               </a:ext>
             </a:extLst>
           </p:cNvPr>
@@ -18002,7 +18054,7 @@
         <p:cNvPr id="1" name="">
           <a:extLst>
             <a:ext uri="{FF2B5EF4-FFF2-40B4-BE49-F238E27FC236}">
-              <a16:creationId xmlns:a16="http://schemas.microsoft.com/office/drawing/2014/main" id="{12586663-FC6A-6BEA-3194-1723EDF85539}"/>
+              <a16:creationId xmlns:a16="http://schemas.microsoft.com/office/drawing/2014/main" xmlns="" id="{12586663-FC6A-6BEA-3194-1723EDF85539}"/>
             </a:ext>
           </a:extLst>
         </p:cNvPr>
@@ -18022,7 +18074,7 @@
           <p:cNvPr id="24" name="內容版面配置區 2">
             <a:extLst>
               <a:ext uri="{FF2B5EF4-FFF2-40B4-BE49-F238E27FC236}">
-                <a16:creationId xmlns:a16="http://schemas.microsoft.com/office/drawing/2014/main" id="{490BF618-C85A-769D-029A-ED21645E3DA8}"/>
+                <a16:creationId xmlns:a16="http://schemas.microsoft.com/office/drawing/2014/main" xmlns="" id="{490BF618-C85A-769D-029A-ED21645E3DA8}"/>
               </a:ext>
             </a:extLst>
           </p:cNvPr>
@@ -18333,14 +18385,14 @@
           </a:p>
         </p:txBody>
       </p:sp>
-      <mc:AlternateContent xmlns:mc="http://schemas.openxmlformats.org/markup-compatibility/2006">
-        <mc:Choice xmlns:a14="http://schemas.microsoft.com/office/drawing/2010/main" Requires="a14">
+      <mc:AlternateContent xmlns:mc="http://schemas.openxmlformats.org/markup-compatibility/2006" xmlns:a14="http://schemas.microsoft.com/office/drawing/2010/main">
+        <mc:Choice Requires="a14">
           <p:sp>
             <p:nvSpPr>
               <p:cNvPr id="10" name="內容版面配置區 2">
                 <a:extLst>
                   <a:ext uri="{FF2B5EF4-FFF2-40B4-BE49-F238E27FC236}">
-                    <a16:creationId xmlns:a16="http://schemas.microsoft.com/office/drawing/2014/main" id="{6EA6A39B-EB98-30A1-5DAB-CF907F558C11}"/>
+                    <a16:creationId xmlns:a16="http://schemas.microsoft.com/office/drawing/2014/main" xmlns="" id="{6EA6A39B-EB98-30A1-5DAB-CF907F558C11}"/>
                   </a:ext>
                 </a:extLst>
               </p:cNvPr>
@@ -18666,7 +18718,7 @@
                               <a:schemeClr val="tx1"/>
                             </a:solidFill>
                             <a:effectLst/>
-                            <a:latin typeface="Cambria Math" panose="02040503050406030204" pitchFamily="18" charset="0"/>
+                            <a:latin typeface="Cambria Math"/>
                             <a:ea typeface="微軟正黑體" panose="020B0604030504040204" pitchFamily="34" charset="-120"/>
                           </a:rPr>
                         </m:ctrlPr>
@@ -19388,7 +19440,7 @@
                               <a:schemeClr val="tx1"/>
                             </a:solidFill>
                             <a:effectLst/>
-                            <a:latin typeface="Cambria Math" panose="02040503050406030204" pitchFamily="18" charset="0"/>
+                            <a:latin typeface="Cambria Math"/>
                             <a:ea typeface="微軟正黑體" panose="020B0604030504040204" pitchFamily="34" charset="-120"/>
                           </a:rPr>
                         </m:ctrlPr>
@@ -19424,7 +19476,7 @@
                                   <a:schemeClr val="tx1"/>
                                 </a:solidFill>
                                 <a:effectLst/>
-                                <a:latin typeface="Cambria Math" panose="02040503050406030204" pitchFamily="18" charset="0"/>
+                                <a:latin typeface="Cambria Math"/>
                                 <a:ea typeface="微軟正黑體" panose="020B0604030504040204" pitchFamily="34" charset="-120"/>
                               </a:rPr>
                             </m:ctrlPr>
@@ -19478,7 +19530,7 @@
                               <a:schemeClr val="tx1"/>
                             </a:solidFill>
                             <a:effectLst/>
-                            <a:latin typeface="Cambria Math" panose="02040503050406030204" pitchFamily="18" charset="0"/>
+                            <a:latin typeface="Cambria Math"/>
                             <a:ea typeface="微軟正黑體" panose="020B0604030504040204" pitchFamily="34" charset="-120"/>
                           </a:rPr>
                         </m:ctrlPr>
@@ -19527,7 +19579,7 @@
                               <a:schemeClr val="tx1"/>
                             </a:solidFill>
                             <a:effectLst/>
-                            <a:latin typeface="Cambria Math" panose="02040503050406030204" pitchFamily="18" charset="0"/>
+                            <a:latin typeface="Cambria Math"/>
                             <a:ea typeface="微軟正黑體" panose="020B0604030504040204" pitchFamily="34" charset="-120"/>
                           </a:rPr>
                         </m:ctrlPr>
@@ -19563,7 +19615,7 @@
                                   <a:schemeClr val="tx1"/>
                                 </a:solidFill>
                                 <a:effectLst/>
-                                <a:latin typeface="Cambria Math" panose="02040503050406030204" pitchFamily="18" charset="0"/>
+                                <a:latin typeface="Cambria Math"/>
                                 <a:ea typeface="微軟正黑體" panose="020B0604030504040204" pitchFamily="34" charset="-120"/>
                               </a:rPr>
                             </m:ctrlPr>
@@ -19883,7 +19935,7 @@
             </p:txBody>
           </p:sp>
         </mc:Choice>
-        <mc:Fallback>
+        <mc:Fallback xmlns="">
           <p:sp>
             <p:nvSpPr>
               <p:cNvPr id="10" name="內容版面配置區 2">
@@ -19932,7 +19984,7 @@
           <p:cNvPr id="5" name="投影片編號版面配置區 4">
             <a:extLst>
               <a:ext uri="{FF2B5EF4-FFF2-40B4-BE49-F238E27FC236}">
-                <a16:creationId xmlns:a16="http://schemas.microsoft.com/office/drawing/2014/main" id="{F35E68AC-03D4-1CFC-C22A-23E4E1D2E758}"/>
+                <a16:creationId xmlns:a16="http://schemas.microsoft.com/office/drawing/2014/main" xmlns="" id="{F35E68AC-03D4-1CFC-C22A-23E4E1D2E758}"/>
               </a:ext>
             </a:extLst>
           </p:cNvPr>
@@ -19962,7 +20014,7 @@
           <p:cNvPr id="19" name="標題 1">
             <a:extLst>
               <a:ext uri="{FF2B5EF4-FFF2-40B4-BE49-F238E27FC236}">
-                <a16:creationId xmlns:a16="http://schemas.microsoft.com/office/drawing/2014/main" id="{FDE7F5FC-FC5B-EC4E-BBA5-14E591156EB8}"/>
+                <a16:creationId xmlns:a16="http://schemas.microsoft.com/office/drawing/2014/main" xmlns="" id="{FDE7F5FC-FC5B-EC4E-BBA5-14E591156EB8}"/>
               </a:ext>
             </a:extLst>
           </p:cNvPr>
@@ -20038,7 +20090,7 @@
         <p:cNvPr id="1" name="">
           <a:extLst>
             <a:ext uri="{FF2B5EF4-FFF2-40B4-BE49-F238E27FC236}">
-              <a16:creationId xmlns:a16="http://schemas.microsoft.com/office/drawing/2014/main" id="{825BF757-356A-5914-F7C8-071A3959E252}"/>
+              <a16:creationId xmlns:a16="http://schemas.microsoft.com/office/drawing/2014/main" xmlns="" id="{825BF757-356A-5914-F7C8-071A3959E252}"/>
             </a:ext>
           </a:extLst>
         </p:cNvPr>
@@ -20058,7 +20110,7 @@
           <p:cNvPr id="24" name="內容版面配置區 2">
             <a:extLst>
               <a:ext uri="{FF2B5EF4-FFF2-40B4-BE49-F238E27FC236}">
-                <a16:creationId xmlns:a16="http://schemas.microsoft.com/office/drawing/2014/main" id="{DFAF92D3-D306-2D7B-07EC-9F4B0A331704}"/>
+                <a16:creationId xmlns:a16="http://schemas.microsoft.com/office/drawing/2014/main" xmlns="" id="{DFAF92D3-D306-2D7B-07EC-9F4B0A331704}"/>
               </a:ext>
             </a:extLst>
           </p:cNvPr>
@@ -20374,7 +20426,7 @@
           <p:cNvPr id="10" name="內容版面配置區 2">
             <a:extLst>
               <a:ext uri="{FF2B5EF4-FFF2-40B4-BE49-F238E27FC236}">
-                <a16:creationId xmlns:a16="http://schemas.microsoft.com/office/drawing/2014/main" id="{D860C8F7-5A8A-497F-D914-72DEC70B6614}"/>
+                <a16:creationId xmlns:a16="http://schemas.microsoft.com/office/drawing/2014/main" xmlns="" id="{D860C8F7-5A8A-497F-D914-72DEC70B6614}"/>
               </a:ext>
             </a:extLst>
           </p:cNvPr>
@@ -20792,7 +20844,7 @@
           <p:cNvPr id="5" name="投影片編號版面配置區 4">
             <a:extLst>
               <a:ext uri="{FF2B5EF4-FFF2-40B4-BE49-F238E27FC236}">
-                <a16:creationId xmlns:a16="http://schemas.microsoft.com/office/drawing/2014/main" id="{A500CD7B-1FE7-E4FD-8DF9-0CBC0938D681}"/>
+                <a16:creationId xmlns:a16="http://schemas.microsoft.com/office/drawing/2014/main" xmlns="" id="{A500CD7B-1FE7-E4FD-8DF9-0CBC0938D681}"/>
               </a:ext>
             </a:extLst>
           </p:cNvPr>
@@ -20822,7 +20874,7 @@
           <p:cNvPr id="19" name="標題 1">
             <a:extLst>
               <a:ext uri="{FF2B5EF4-FFF2-40B4-BE49-F238E27FC236}">
-                <a16:creationId xmlns:a16="http://schemas.microsoft.com/office/drawing/2014/main" id="{D316EC32-BD5D-8AE6-0D03-D04ED32F627E}"/>
+                <a16:creationId xmlns:a16="http://schemas.microsoft.com/office/drawing/2014/main" xmlns="" id="{D316EC32-BD5D-8AE6-0D03-D04ED32F627E}"/>
               </a:ext>
             </a:extLst>
           </p:cNvPr>
@@ -20870,7 +20922,7 @@
           <p:cNvPr id="3" name="圖片 2" descr="一張含有 文字, 字型, 螢幕擷取畫面, 印刷術 的圖片&#10;&#10;AI 產生的內容可能不正確。">
             <a:extLst>
               <a:ext uri="{FF2B5EF4-FFF2-40B4-BE49-F238E27FC236}">
-                <a16:creationId xmlns:a16="http://schemas.microsoft.com/office/drawing/2014/main" id="{DAAE7699-A138-7ED0-BE41-8E4F2DF2831C}"/>
+                <a16:creationId xmlns:a16="http://schemas.microsoft.com/office/drawing/2014/main" xmlns="" id="{DAAE7699-A138-7ED0-BE41-8E4F2DF2831C}"/>
               </a:ext>
             </a:extLst>
           </p:cNvPr>
@@ -20900,7 +20952,7 @@
           <p:cNvPr id="12" name="圖片 11" descr="一張含有 文字, 字型, 螢幕擷取畫面, 數字 的圖片&#10;&#10;AI 產生的內容可能不正確。">
             <a:extLst>
               <a:ext uri="{FF2B5EF4-FFF2-40B4-BE49-F238E27FC236}">
-                <a16:creationId xmlns:a16="http://schemas.microsoft.com/office/drawing/2014/main" id="{5E8F42B0-542E-FEEA-FE00-9845A4A82698}"/>
+                <a16:creationId xmlns:a16="http://schemas.microsoft.com/office/drawing/2014/main" xmlns="" id="{5E8F42B0-542E-FEEA-FE00-9845A4A82698}"/>
               </a:ext>
             </a:extLst>
           </p:cNvPr>
@@ -20930,7 +20982,7 @@
           <p:cNvPr id="14" name="圖片 13" descr="一張含有 文字, 字型, 螢幕擷取畫面, 數字 的圖片&#10;&#10;AI 產生的內容可能不正確。">
             <a:extLst>
               <a:ext uri="{FF2B5EF4-FFF2-40B4-BE49-F238E27FC236}">
-                <a16:creationId xmlns:a16="http://schemas.microsoft.com/office/drawing/2014/main" id="{339F13E9-5588-CA6D-12C3-F1B11186132E}"/>
+                <a16:creationId xmlns:a16="http://schemas.microsoft.com/office/drawing/2014/main" xmlns="" id="{339F13E9-5588-CA6D-12C3-F1B11186132E}"/>
               </a:ext>
             </a:extLst>
           </p:cNvPr>
@@ -21002,7 +21054,7 @@
           <p:cNvPr id="3" name="標題 2">
             <a:extLst>
               <a:ext uri="{FF2B5EF4-FFF2-40B4-BE49-F238E27FC236}">
-                <a16:creationId xmlns:a16="http://schemas.microsoft.com/office/drawing/2014/main" id="{4ABAB1B2-9811-49A5-968D-AA6F881D5BFC}"/>
+                <a16:creationId xmlns:a16="http://schemas.microsoft.com/office/drawing/2014/main" xmlns="" id="{4ABAB1B2-9811-49A5-968D-AA6F881D5BFC}"/>
               </a:ext>
             </a:extLst>
           </p:cNvPr>
@@ -21051,73 +21103,6 @@
                 </a:outerShdw>
               </a:effectLst>
             </a:endParaRPr>
-          </a:p>
-        </p:txBody>
-      </p:sp>
-      <p:sp>
-        <p:nvSpPr>
-          <p:cNvPr id="4" name="內容版面配置區 3">
-            <a:extLst>
-              <a:ext uri="{FF2B5EF4-FFF2-40B4-BE49-F238E27FC236}">
-                <a16:creationId xmlns:a16="http://schemas.microsoft.com/office/drawing/2014/main" id="{FCCA5DD9-09D4-479C-9F96-62D1622C7DB1}"/>
-              </a:ext>
-            </a:extLst>
-          </p:cNvPr>
-          <p:cNvSpPr>
-            <a:spLocks noGrp="1"/>
-          </p:cNvSpPr>
-          <p:nvPr>
-            <p:ph idx="1"/>
-          </p:nvPr>
-        </p:nvSpPr>
-        <p:spPr>
-          <a:xfrm>
-            <a:off x="6886500" y="1772816"/>
-            <a:ext cx="6336704" cy="3888432"/>
-          </a:xfrm>
-        </p:spPr>
-        <p:txBody>
-          <a:bodyPr>
-            <a:noAutofit/>
-          </a:bodyPr>
-          <a:lstStyle/>
-          <a:p>
-            <a:pPr>
-              <a:lnSpc>
-                <a:spcPct val="170000"/>
-              </a:lnSpc>
-              <a:spcBef>
-                <a:spcPts val="0"/>
-              </a:spcBef>
-              <a:buClr>
-                <a:schemeClr val="bg2">
-                  <a:lumMod val="90000"/>
-                </a:schemeClr>
-              </a:buClr>
-              <a:buSzPct val="100000"/>
-            </a:pPr>
-            <a:r>
-              <a:rPr lang="zh-TW" altLang="en-US" sz="2800" dirty="0"/>
-              <a:t>○ ○ ○</a:t>
-            </a:r>
-            <a:endParaRPr lang="zh-TW" altLang="en-US" sz="2600" dirty="0"/>
-          </a:p>
-          <a:p>
-            <a:pPr>
-              <a:lnSpc>
-                <a:spcPct val="170000"/>
-              </a:lnSpc>
-              <a:spcBef>
-                <a:spcPts val="0"/>
-              </a:spcBef>
-              <a:buClr>
-                <a:schemeClr val="bg2">
-                  <a:lumMod val="90000"/>
-                </a:schemeClr>
-              </a:buClr>
-              <a:buSzPct val="100000"/>
-            </a:pPr>
-            <a:endParaRPr lang="en-US" altLang="zh-TW" sz="2600" dirty="0"/>
           </a:p>
         </p:txBody>
       </p:sp>
@@ -21216,7 +21201,7 @@
           <p:cNvPr id="19" name="標題 1">
             <a:extLst>
               <a:ext uri="{FF2B5EF4-FFF2-40B4-BE49-F238E27FC236}">
-                <a16:creationId xmlns:a16="http://schemas.microsoft.com/office/drawing/2014/main" id="{50E9A64D-4207-4980-8736-4201C3E0DC63}"/>
+                <a16:creationId xmlns:a16="http://schemas.microsoft.com/office/drawing/2014/main" xmlns="" id="{50E9A64D-4207-4980-8736-4201C3E0DC63}"/>
               </a:ext>
             </a:extLst>
           </p:cNvPr>
@@ -21264,7 +21249,7 @@
           <p:cNvPr id="24" name="內容版面配置區 2">
             <a:extLst>
               <a:ext uri="{FF2B5EF4-FFF2-40B4-BE49-F238E27FC236}">
-                <a16:creationId xmlns:a16="http://schemas.microsoft.com/office/drawing/2014/main" id="{F5C22ADD-7A5D-44F8-969C-F4721C016703}"/>
+                <a16:creationId xmlns:a16="http://schemas.microsoft.com/office/drawing/2014/main" xmlns="" id="{F5C22ADD-7A5D-44F8-969C-F4721C016703}"/>
               </a:ext>
             </a:extLst>
           </p:cNvPr>
@@ -21531,14 +21516,14 @@
           </a:p>
         </p:txBody>
       </p:sp>
-      <mc:AlternateContent xmlns:mc="http://schemas.openxmlformats.org/markup-compatibility/2006">
-        <mc:Choice xmlns:a14="http://schemas.microsoft.com/office/drawing/2010/main" Requires="a14">
+      <mc:AlternateContent xmlns:mc="http://schemas.openxmlformats.org/markup-compatibility/2006" xmlns:a14="http://schemas.microsoft.com/office/drawing/2010/main">
+        <mc:Choice Requires="a14">
           <p:sp>
             <p:nvSpPr>
               <p:cNvPr id="20" name="內容版面配置區 2">
                 <a:extLst>
                   <a:ext uri="{FF2B5EF4-FFF2-40B4-BE49-F238E27FC236}">
-                    <a16:creationId xmlns:a16="http://schemas.microsoft.com/office/drawing/2014/main" id="{2E881D55-3B47-403F-8F0E-EDFDE34A1B22}"/>
+                    <a16:creationId xmlns:a16="http://schemas.microsoft.com/office/drawing/2014/main" xmlns="" id="{2E881D55-3B47-403F-8F0E-EDFDE34A1B22}"/>
                   </a:ext>
                 </a:extLst>
               </p:cNvPr>
@@ -21705,7 +21690,7 @@
                             <a:solidFill>
                               <a:srgbClr val="FF0000"/>
                             </a:solidFill>
-                            <a:latin typeface="Cambria Math" panose="02040503050406030204" pitchFamily="18" charset="0"/>
+                            <a:latin typeface="Cambria Math"/>
                             <a:ea typeface="微軟正黑體" panose="020B0604030504040204" pitchFamily="34" charset="-120"/>
                           </a:rPr>
                         </m:ctrlPr>
@@ -21993,7 +21978,7 @@
             </p:txBody>
           </p:sp>
         </mc:Choice>
-        <mc:Fallback>
+        <mc:Fallback xmlns="">
           <p:sp>
             <p:nvSpPr>
               <p:cNvPr id="20" name="內容版面配置區 2">
@@ -22084,7 +22069,7 @@
           <p:cNvPr id="3" name="標題 2">
             <a:extLst>
               <a:ext uri="{FF2B5EF4-FFF2-40B4-BE49-F238E27FC236}">
-                <a16:creationId xmlns:a16="http://schemas.microsoft.com/office/drawing/2014/main" id="{4ABAB1B2-9811-49A5-968D-AA6F881D5BFC}"/>
+                <a16:creationId xmlns:a16="http://schemas.microsoft.com/office/drawing/2014/main" xmlns="" id="{4ABAB1B2-9811-49A5-968D-AA6F881D5BFC}"/>
               </a:ext>
             </a:extLst>
           </p:cNvPr>
@@ -22133,90 +22118,6 @@
                 </a:outerShdw>
               </a:effectLst>
             </a:endParaRPr>
-          </a:p>
-        </p:txBody>
-      </p:sp>
-      <p:sp>
-        <p:nvSpPr>
-          <p:cNvPr id="4" name="內容版面配置區 3">
-            <a:extLst>
-              <a:ext uri="{FF2B5EF4-FFF2-40B4-BE49-F238E27FC236}">
-                <a16:creationId xmlns:a16="http://schemas.microsoft.com/office/drawing/2014/main" id="{FCCA5DD9-09D4-479C-9F96-62D1622C7DB1}"/>
-              </a:ext>
-            </a:extLst>
-          </p:cNvPr>
-          <p:cNvSpPr>
-            <a:spLocks noGrp="1"/>
-          </p:cNvSpPr>
-          <p:nvPr>
-            <p:ph idx="1"/>
-          </p:nvPr>
-        </p:nvSpPr>
-        <p:spPr>
-          <a:xfrm>
-            <a:off x="6886500" y="1772816"/>
-            <a:ext cx="6336704" cy="3888432"/>
-          </a:xfrm>
-        </p:spPr>
-        <p:txBody>
-          <a:bodyPr>
-            <a:noAutofit/>
-          </a:bodyPr>
-          <a:lstStyle/>
-          <a:p>
-            <a:pPr>
-              <a:lnSpc>
-                <a:spcPct val="170000"/>
-              </a:lnSpc>
-              <a:spcBef>
-                <a:spcPts val="0"/>
-              </a:spcBef>
-              <a:buClr>
-                <a:schemeClr val="bg2">
-                  <a:lumMod val="90000"/>
-                </a:schemeClr>
-              </a:buClr>
-              <a:buSzPct val="100000"/>
-            </a:pPr>
-            <a:r>
-              <a:rPr lang="zh-TW" altLang="en-US" sz="2400" dirty="0"/>
-              <a:t>○ ○ ○</a:t>
-            </a:r>
-            <a:endParaRPr lang="en-US" altLang="zh-TW" sz="2600" dirty="0"/>
-          </a:p>
-          <a:p>
-            <a:pPr>
-              <a:lnSpc>
-                <a:spcPct val="170000"/>
-              </a:lnSpc>
-              <a:spcBef>
-                <a:spcPts val="0"/>
-              </a:spcBef>
-              <a:buClr>
-                <a:schemeClr val="bg2">
-                  <a:lumMod val="90000"/>
-                </a:schemeClr>
-              </a:buClr>
-              <a:buSzPct val="100000"/>
-            </a:pPr>
-            <a:endParaRPr lang="zh-TW" altLang="en-US" sz="2600" dirty="0"/>
-          </a:p>
-          <a:p>
-            <a:pPr>
-              <a:lnSpc>
-                <a:spcPct val="170000"/>
-              </a:lnSpc>
-              <a:spcBef>
-                <a:spcPts val="0"/>
-              </a:spcBef>
-              <a:buClr>
-                <a:schemeClr val="bg2">
-                  <a:lumMod val="90000"/>
-                </a:schemeClr>
-              </a:buClr>
-              <a:buSzPct val="100000"/>
-            </a:pPr>
-            <a:endParaRPr lang="en-US" altLang="zh-TW" sz="2600" dirty="0"/>
           </a:p>
         </p:txBody>
       </p:sp>
@@ -22315,7 +22216,7 @@
           <p:cNvPr id="19" name="標題 1">
             <a:extLst>
               <a:ext uri="{FF2B5EF4-FFF2-40B4-BE49-F238E27FC236}">
-                <a16:creationId xmlns:a16="http://schemas.microsoft.com/office/drawing/2014/main" id="{50E9A64D-4207-4980-8736-4201C3E0DC63}"/>
+                <a16:creationId xmlns:a16="http://schemas.microsoft.com/office/drawing/2014/main" xmlns="" id="{50E9A64D-4207-4980-8736-4201C3E0DC63}"/>
               </a:ext>
             </a:extLst>
           </p:cNvPr>
@@ -22350,7 +22251,7 @@
           <p:cNvPr id="24" name="內容版面配置區 2">
             <a:extLst>
               <a:ext uri="{FF2B5EF4-FFF2-40B4-BE49-F238E27FC236}">
-                <a16:creationId xmlns:a16="http://schemas.microsoft.com/office/drawing/2014/main" id="{F5C22ADD-7A5D-44F8-969C-F4721C016703}"/>
+                <a16:creationId xmlns:a16="http://schemas.microsoft.com/office/drawing/2014/main" xmlns="" id="{F5C22ADD-7A5D-44F8-969C-F4721C016703}"/>
               </a:ext>
             </a:extLst>
           </p:cNvPr>
@@ -22622,7 +22523,7 @@
           <p:cNvPr id="20" name="內容版面配置區 2">
             <a:extLst>
               <a:ext uri="{FF2B5EF4-FFF2-40B4-BE49-F238E27FC236}">
-                <a16:creationId xmlns:a16="http://schemas.microsoft.com/office/drawing/2014/main" id="{2E881D55-3B47-403F-8F0E-EDFDE34A1B22}"/>
+                <a16:creationId xmlns:a16="http://schemas.microsoft.com/office/drawing/2014/main" xmlns="" id="{2E881D55-3B47-403F-8F0E-EDFDE34A1B22}"/>
               </a:ext>
             </a:extLst>
           </p:cNvPr>
@@ -22679,6 +22580,13 @@
               </a:rPr>
               <a:t>ZKP</a:t>
             </a:r>
+            <a:r>
+              <a:rPr lang="zh-TW" altLang="en-US" sz="1800" dirty="0">
+                <a:latin typeface="微軟正黑體" panose="020B0604030504040204" pitchFamily="34" charset="-120"/>
+                <a:ea typeface="微軟正黑體" panose="020B0604030504040204" pitchFamily="34" charset="-120"/>
+              </a:rPr>
+              <a:t/>
+            </a:r>
             <a:br>
               <a:rPr lang="zh-TW" altLang="en-US" sz="1800" dirty="0">
                 <a:latin typeface="微軟正黑體" panose="020B0604030504040204" pitchFamily="34" charset="-120"/>
@@ -22783,6 +22691,13 @@
               </a:rPr>
               <a:t>防護</a:t>
             </a:r>
+            <a:r>
+              <a:rPr lang="zh-TW" altLang="en-US" sz="1800" dirty="0">
+                <a:latin typeface="微軟正黑體" panose="020B0604030504040204" pitchFamily="34" charset="-120"/>
+                <a:ea typeface="微軟正黑體" panose="020B0604030504040204" pitchFamily="34" charset="-120"/>
+              </a:rPr>
+              <a:t/>
+            </a:r>
             <a:br>
               <a:rPr lang="zh-TW" altLang="en-US" sz="1800" dirty="0">
                 <a:latin typeface="微軟正黑體" panose="020B0604030504040204" pitchFamily="34" charset="-120"/>
@@ -22844,6 +22759,13 @@
                 <a:ea typeface="微軟正黑體" panose="020B0604030504040204" pitchFamily="34" charset="-120"/>
               </a:rPr>
               <a:t>區塊鏈智能合約實作</a:t>
+            </a:r>
+            <a:r>
+              <a:rPr lang="zh-TW" altLang="en-US" sz="1800" dirty="0">
+                <a:latin typeface="微軟正黑體" panose="020B0604030504040204" pitchFamily="34" charset="-120"/>
+                <a:ea typeface="微軟正黑體" panose="020B0604030504040204" pitchFamily="34" charset="-120"/>
+              </a:rPr>
+              <a:t/>
             </a:r>
             <a:br>
               <a:rPr lang="zh-TW" altLang="en-US" sz="1800" dirty="0">
@@ -22988,7 +22910,7 @@
           <p:cNvPr id="19" name="標題 1">
             <a:extLst>
               <a:ext uri="{FF2B5EF4-FFF2-40B4-BE49-F238E27FC236}">
-                <a16:creationId xmlns:a16="http://schemas.microsoft.com/office/drawing/2014/main" id="{50E9A64D-4207-4980-8736-4201C3E0DC63}"/>
+                <a16:creationId xmlns:a16="http://schemas.microsoft.com/office/drawing/2014/main" xmlns="" id="{50E9A64D-4207-4980-8736-4201C3E0DC63}"/>
               </a:ext>
             </a:extLst>
           </p:cNvPr>
@@ -23023,7 +22945,7 @@
           <p:cNvPr id="24" name="內容版面配置區 2">
             <a:extLst>
               <a:ext uri="{FF2B5EF4-FFF2-40B4-BE49-F238E27FC236}">
-                <a16:creationId xmlns:a16="http://schemas.microsoft.com/office/drawing/2014/main" id="{F5C22ADD-7A5D-44F8-969C-F4721C016703}"/>
+                <a16:creationId xmlns:a16="http://schemas.microsoft.com/office/drawing/2014/main" xmlns="" id="{F5C22ADD-7A5D-44F8-969C-F4721C016703}"/>
               </a:ext>
             </a:extLst>
           </p:cNvPr>
@@ -23463,7 +23385,7 @@
           <p:cNvPr id="7" name="標題 1">
             <a:extLst>
               <a:ext uri="{FF2B5EF4-FFF2-40B4-BE49-F238E27FC236}">
-                <a16:creationId xmlns:a16="http://schemas.microsoft.com/office/drawing/2014/main" id="{50E9A64D-4207-4980-8736-4201C3E0DC63}"/>
+                <a16:creationId xmlns:a16="http://schemas.microsoft.com/office/drawing/2014/main" xmlns="" id="{50E9A64D-4207-4980-8736-4201C3E0DC63}"/>
               </a:ext>
             </a:extLst>
           </p:cNvPr>
@@ -23568,7 +23490,7 @@
           <p:cNvPr id="3" name="標題 2">
             <a:extLst>
               <a:ext uri="{FF2B5EF4-FFF2-40B4-BE49-F238E27FC236}">
-                <a16:creationId xmlns:a16="http://schemas.microsoft.com/office/drawing/2014/main" id="{4ABAB1B2-9811-49A5-968D-AA6F881D5BFC}"/>
+                <a16:creationId xmlns:a16="http://schemas.microsoft.com/office/drawing/2014/main" xmlns="" id="{4ABAB1B2-9811-49A5-968D-AA6F881D5BFC}"/>
               </a:ext>
             </a:extLst>
           </p:cNvPr>
@@ -23625,7 +23547,7 @@
           <p:cNvPr id="4" name="內容版面配置區 3">
             <a:extLst>
               <a:ext uri="{FF2B5EF4-FFF2-40B4-BE49-F238E27FC236}">
-                <a16:creationId xmlns:a16="http://schemas.microsoft.com/office/drawing/2014/main" id="{FCCA5DD9-09D4-479C-9F96-62D1622C7DB1}"/>
+                <a16:creationId xmlns:a16="http://schemas.microsoft.com/office/drawing/2014/main" xmlns="" id="{FCCA5DD9-09D4-479C-9F96-62D1622C7DB1}"/>
               </a:ext>
             </a:extLst>
           </p:cNvPr>
@@ -23786,7 +23708,7 @@
           <p:cNvPr id="19" name="標題 1">
             <a:extLst>
               <a:ext uri="{FF2B5EF4-FFF2-40B4-BE49-F238E27FC236}">
-                <a16:creationId xmlns:a16="http://schemas.microsoft.com/office/drawing/2014/main" id="{50E9A64D-4207-4980-8736-4201C3E0DC63}"/>
+                <a16:creationId xmlns:a16="http://schemas.microsoft.com/office/drawing/2014/main" xmlns="" id="{50E9A64D-4207-4980-8736-4201C3E0DC63}"/>
               </a:ext>
             </a:extLst>
           </p:cNvPr>
@@ -23821,7 +23743,7 @@
           <p:cNvPr id="24" name="內容版面配置區 2">
             <a:extLst>
               <a:ext uri="{FF2B5EF4-FFF2-40B4-BE49-F238E27FC236}">
-                <a16:creationId xmlns:a16="http://schemas.microsoft.com/office/drawing/2014/main" id="{F5C22ADD-7A5D-44F8-969C-F4721C016703}"/>
+                <a16:creationId xmlns:a16="http://schemas.microsoft.com/office/drawing/2014/main" xmlns="" id="{F5C22ADD-7A5D-44F8-969C-F4721C016703}"/>
               </a:ext>
             </a:extLst>
           </p:cNvPr>
@@ -25218,7 +25140,7 @@
           <p:cNvPr id="19" name="標題 1">
             <a:extLst>
               <a:ext uri="{FF2B5EF4-FFF2-40B4-BE49-F238E27FC236}">
-                <a16:creationId xmlns:a16="http://schemas.microsoft.com/office/drawing/2014/main" id="{50E9A64D-4207-4980-8736-4201C3E0DC63}"/>
+                <a16:creationId xmlns:a16="http://schemas.microsoft.com/office/drawing/2014/main" xmlns="" id="{50E9A64D-4207-4980-8736-4201C3E0DC63}"/>
               </a:ext>
             </a:extLst>
           </p:cNvPr>
@@ -25253,7 +25175,7 @@
           <p:cNvPr id="24" name="內容版面配置區 2">
             <a:extLst>
               <a:ext uri="{FF2B5EF4-FFF2-40B4-BE49-F238E27FC236}">
-                <a16:creationId xmlns:a16="http://schemas.microsoft.com/office/drawing/2014/main" id="{F5C22ADD-7A5D-44F8-969C-F4721C016703}"/>
+                <a16:creationId xmlns:a16="http://schemas.microsoft.com/office/drawing/2014/main" xmlns="" id="{F5C22ADD-7A5D-44F8-969C-F4721C016703}"/>
               </a:ext>
             </a:extLst>
           </p:cNvPr>
@@ -25525,7 +25447,7 @@
           <p:cNvPr id="20" name="內容版面配置區 2">
             <a:extLst>
               <a:ext uri="{FF2B5EF4-FFF2-40B4-BE49-F238E27FC236}">
-                <a16:creationId xmlns:a16="http://schemas.microsoft.com/office/drawing/2014/main" id="{2E881D55-3B47-403F-8F0E-EDFDE34A1B22}"/>
+                <a16:creationId xmlns:a16="http://schemas.microsoft.com/office/drawing/2014/main" xmlns="" id="{2E881D55-3B47-403F-8F0E-EDFDE34A1B22}"/>
               </a:ext>
             </a:extLst>
           </p:cNvPr>
@@ -25764,7 +25686,7 @@
           <p:cNvPr id="3" name="標題 2">
             <a:extLst>
               <a:ext uri="{FF2B5EF4-FFF2-40B4-BE49-F238E27FC236}">
-                <a16:creationId xmlns:a16="http://schemas.microsoft.com/office/drawing/2014/main" id="{4ABAB1B2-9811-49A5-968D-AA6F881D5BFC}"/>
+                <a16:creationId xmlns:a16="http://schemas.microsoft.com/office/drawing/2014/main" xmlns="" id="{4ABAB1B2-9811-49A5-968D-AA6F881D5BFC}"/>
               </a:ext>
             </a:extLst>
           </p:cNvPr>
@@ -25821,7 +25743,7 @@
           <p:cNvPr id="4" name="內容版面配置區 3">
             <a:extLst>
               <a:ext uri="{FF2B5EF4-FFF2-40B4-BE49-F238E27FC236}">
-                <a16:creationId xmlns:a16="http://schemas.microsoft.com/office/drawing/2014/main" id="{FCCA5DD9-09D4-479C-9F96-62D1622C7DB1}"/>
+                <a16:creationId xmlns:a16="http://schemas.microsoft.com/office/drawing/2014/main" xmlns="" id="{FCCA5DD9-09D4-479C-9F96-62D1622C7DB1}"/>
               </a:ext>
             </a:extLst>
           </p:cNvPr>
@@ -26057,7 +25979,7 @@
           <p:cNvPr id="19" name="標題 1">
             <a:extLst>
               <a:ext uri="{FF2B5EF4-FFF2-40B4-BE49-F238E27FC236}">
-                <a16:creationId xmlns:a16="http://schemas.microsoft.com/office/drawing/2014/main" id="{50E9A64D-4207-4980-8736-4201C3E0DC63}"/>
+                <a16:creationId xmlns:a16="http://schemas.microsoft.com/office/drawing/2014/main" xmlns="" id="{50E9A64D-4207-4980-8736-4201C3E0DC63}"/>
               </a:ext>
             </a:extLst>
           </p:cNvPr>
@@ -26092,7 +26014,7 @@
           <p:cNvPr id="24" name="內容版面配置區 2">
             <a:extLst>
               <a:ext uri="{FF2B5EF4-FFF2-40B4-BE49-F238E27FC236}">
-                <a16:creationId xmlns:a16="http://schemas.microsoft.com/office/drawing/2014/main" id="{F5C22ADD-7A5D-44F8-969C-F4721C016703}"/>
+                <a16:creationId xmlns:a16="http://schemas.microsoft.com/office/drawing/2014/main" xmlns="" id="{F5C22ADD-7A5D-44F8-969C-F4721C016703}"/>
               </a:ext>
             </a:extLst>
           </p:cNvPr>
@@ -27273,7 +27195,7 @@
           <p:cNvPr id="3" name="標題 2">
             <a:extLst>
               <a:ext uri="{FF2B5EF4-FFF2-40B4-BE49-F238E27FC236}">
-                <a16:creationId xmlns:a16="http://schemas.microsoft.com/office/drawing/2014/main" id="{4ABAB1B2-9811-49A5-968D-AA6F881D5BFC}"/>
+                <a16:creationId xmlns:a16="http://schemas.microsoft.com/office/drawing/2014/main" xmlns="" id="{4ABAB1B2-9811-49A5-968D-AA6F881D5BFC}"/>
               </a:ext>
             </a:extLst>
           </p:cNvPr>
@@ -27354,7 +27276,7 @@
           <p:cNvPr id="5" name="內容版面配置區 3">
             <a:extLst>
               <a:ext uri="{FF2B5EF4-FFF2-40B4-BE49-F238E27FC236}">
-                <a16:creationId xmlns:a16="http://schemas.microsoft.com/office/drawing/2014/main" id="{FCCA5DD9-09D4-479C-9F96-62D1622C7DB1}"/>
+                <a16:creationId xmlns:a16="http://schemas.microsoft.com/office/drawing/2014/main" xmlns="" id="{FCCA5DD9-09D4-479C-9F96-62D1622C7DB1}"/>
               </a:ext>
             </a:extLst>
           </p:cNvPr>
@@ -27800,7 +27722,7 @@
           <p:cNvPr id="19" name="標題 1">
             <a:extLst>
               <a:ext uri="{FF2B5EF4-FFF2-40B4-BE49-F238E27FC236}">
-                <a16:creationId xmlns:a16="http://schemas.microsoft.com/office/drawing/2014/main" id="{50E9A64D-4207-4980-8736-4201C3E0DC63}"/>
+                <a16:creationId xmlns:a16="http://schemas.microsoft.com/office/drawing/2014/main" xmlns="" id="{50E9A64D-4207-4980-8736-4201C3E0DC63}"/>
               </a:ext>
             </a:extLst>
           </p:cNvPr>
@@ -27848,7 +27770,7 @@
           <p:cNvPr id="24" name="內容版面配置區 2">
             <a:extLst>
               <a:ext uri="{FF2B5EF4-FFF2-40B4-BE49-F238E27FC236}">
-                <a16:creationId xmlns:a16="http://schemas.microsoft.com/office/drawing/2014/main" id="{F5C22ADD-7A5D-44F8-969C-F4721C016703}"/>
+                <a16:creationId xmlns:a16="http://schemas.microsoft.com/office/drawing/2014/main" xmlns="" id="{F5C22ADD-7A5D-44F8-969C-F4721C016703}"/>
               </a:ext>
             </a:extLst>
           </p:cNvPr>
@@ -28188,14 +28110,14 @@
           </a:p>
         </p:txBody>
       </p:sp>
-      <mc:AlternateContent xmlns:mc="http://schemas.openxmlformats.org/markup-compatibility/2006">
-        <mc:Choice xmlns:a14="http://schemas.microsoft.com/office/drawing/2010/main" Requires="a14">
+      <mc:AlternateContent xmlns:mc="http://schemas.openxmlformats.org/markup-compatibility/2006" xmlns:a14="http://schemas.microsoft.com/office/drawing/2010/main">
+        <mc:Choice Requires="a14">
           <p:sp>
             <p:nvSpPr>
               <p:cNvPr id="20" name="內容版面配置區 2">
                 <a:extLst>
                   <a:ext uri="{FF2B5EF4-FFF2-40B4-BE49-F238E27FC236}">
-                    <a16:creationId xmlns:a16="http://schemas.microsoft.com/office/drawing/2014/main" id="{2E881D55-3B47-403F-8F0E-EDFDE34A1B22}"/>
+                    <a16:creationId xmlns:a16="http://schemas.microsoft.com/office/drawing/2014/main" xmlns="" id="{2E881D55-3B47-403F-8F0E-EDFDE34A1B22}"/>
                   </a:ext>
                 </a:extLst>
               </p:cNvPr>
@@ -28295,7 +28217,7 @@
                         <m:endChr m:val="}"/>
                         <m:ctrlPr>
                           <a:rPr lang="zh-TW" altLang="zh-TW" sz="2200" i="1">
-                            <a:latin typeface="Cambria Math" panose="02040503050406030204" pitchFamily="18" charset="0"/>
+                            <a:latin typeface="Cambria Math"/>
                           </a:rPr>
                         </m:ctrlPr>
                       </m:dPr>
@@ -28324,7 +28246,7 @@
                       <m:dPr>
                         <m:ctrlPr>
                           <a:rPr lang="zh-TW" altLang="zh-TW" sz="2200" i="1">
-                            <a:latin typeface="Cambria Math" panose="02040503050406030204" pitchFamily="18" charset="0"/>
+                            <a:latin typeface="Cambria Math"/>
                           </a:rPr>
                         </m:ctrlPr>
                       </m:dPr>
@@ -28403,7 +28325,7 @@
                       <m:dPr>
                         <m:ctrlPr>
                           <a:rPr lang="zh-TW" altLang="zh-TW" sz="2200" i="1">
-                            <a:latin typeface="Cambria Math" panose="02040503050406030204" pitchFamily="18" charset="0"/>
+                            <a:latin typeface="Cambria Math"/>
                           </a:rPr>
                         </m:ctrlPr>
                       </m:dPr>
@@ -28432,7 +28354,7 @@
                       <m:dPr>
                         <m:ctrlPr>
                           <a:rPr lang="zh-TW" altLang="zh-TW" sz="2200" i="1">
-                            <a:latin typeface="Cambria Math" panose="02040503050406030204" pitchFamily="18" charset="0"/>
+                            <a:latin typeface="Cambria Math"/>
                           </a:rPr>
                         </m:ctrlPr>
                       </m:dPr>
@@ -28561,7 +28483,7 @@
                         <m:endChr m:val="}"/>
                         <m:ctrlPr>
                           <a:rPr lang="zh-TW" altLang="zh-TW" sz="2400" i="1">
-                            <a:latin typeface="Cambria Math" panose="02040503050406030204" pitchFamily="18" charset="0"/>
+                            <a:latin typeface="Cambria Math"/>
                           </a:rPr>
                         </m:ctrlPr>
                       </m:dPr>
@@ -28616,7 +28538,7 @@
                       <m:dPr>
                         <m:ctrlPr>
                           <a:rPr lang="zh-TW" altLang="zh-TW" sz="2400" b="1" i="1">
-                            <a:latin typeface="Cambria Math" panose="02040503050406030204" pitchFamily="18" charset="0"/>
+                            <a:latin typeface="Cambria Math"/>
                           </a:rPr>
                         </m:ctrlPr>
                       </m:dPr>
@@ -28657,7 +28579,7 @@
                       <m:dPr>
                         <m:ctrlPr>
                           <a:rPr lang="zh-TW" altLang="zh-TW" sz="2400" b="1" i="1">
-                            <a:latin typeface="Cambria Math" panose="02040503050406030204" pitchFamily="18" charset="0"/>
+                            <a:latin typeface="Cambria Math"/>
                           </a:rPr>
                         </m:ctrlPr>
                       </m:dPr>
@@ -28733,7 +28655,7 @@
                       <m:dPr>
                         <m:ctrlPr>
                           <a:rPr lang="zh-TW" altLang="zh-TW" sz="2400" i="1">
-                            <a:latin typeface="Cambria Math" panose="02040503050406030204" pitchFamily="18" charset="0"/>
+                            <a:latin typeface="Cambria Math"/>
                           </a:rPr>
                         </m:ctrlPr>
                       </m:dPr>
@@ -28826,7 +28748,7 @@
             </p:txBody>
           </p:sp>
         </mc:Choice>
-        <mc:Fallback>
+        <mc:Fallback xmlns="">
           <p:sp>
             <p:nvSpPr>
               <p:cNvPr id="20" name="內容版面配置區 2">
@@ -29285,7 +29207,7 @@
   <a:extraClrSchemeLst/>
   <a:extLst>
     <a:ext uri="{05A4C25C-085E-4340-85A3-A5531E510DB2}">
-      <thm15:themeFamily xmlns:thm15="http://schemas.microsoft.com/office/thememl/2012/main" name="Office_26713188_TF03460544" id="{6F554B24-2C09-4153-BF01-57653ED04444}" vid="{C80FED5E-EC00-4C61-90A9-0EA5EF995274}"/>
+      <thm15:themeFamily xmlns:thm15="http://schemas.microsoft.com/office/thememl/2012/main" xmlns="" name="Office_26713188_TF03460544" id="{6F554B24-2C09-4153-BF01-57653ED04444}" vid="{C80FED5E-EC00-4C61-90A9-0EA5EF995274}"/>
     </a:ext>
   </a:extLst>
 </a:theme>
